--- a/Tervek.pptx
+++ b/Tervek.pptx
@@ -260,7 +260,7 @@
           <a:p>
             <a:fld id="{624B17E9-C0BB-46C6-ADAC-505319B93071}" type="datetimeFigureOut">
               <a:rPr lang="hu-HU" smtClean="0"/>
-              <a:t>2022. 03. 17.</a:t>
+              <a:t>2022. 03. 18.</a:t>
             </a:fld>
             <a:endParaRPr lang="hu-HU"/>
           </a:p>
@@ -458,7 +458,7 @@
           <a:p>
             <a:fld id="{624B17E9-C0BB-46C6-ADAC-505319B93071}" type="datetimeFigureOut">
               <a:rPr lang="hu-HU" smtClean="0"/>
-              <a:t>2022. 03. 17.</a:t>
+              <a:t>2022. 03. 18.</a:t>
             </a:fld>
             <a:endParaRPr lang="hu-HU"/>
           </a:p>
@@ -666,7 +666,7 @@
           <a:p>
             <a:fld id="{624B17E9-C0BB-46C6-ADAC-505319B93071}" type="datetimeFigureOut">
               <a:rPr lang="hu-HU" smtClean="0"/>
-              <a:t>2022. 03. 17.</a:t>
+              <a:t>2022. 03. 18.</a:t>
             </a:fld>
             <a:endParaRPr lang="hu-HU"/>
           </a:p>
@@ -864,7 +864,7 @@
           <a:p>
             <a:fld id="{624B17E9-C0BB-46C6-ADAC-505319B93071}" type="datetimeFigureOut">
               <a:rPr lang="hu-HU" smtClean="0"/>
-              <a:t>2022. 03. 17.</a:t>
+              <a:t>2022. 03. 18.</a:t>
             </a:fld>
             <a:endParaRPr lang="hu-HU"/>
           </a:p>
@@ -1139,7 +1139,7 @@
           <a:p>
             <a:fld id="{624B17E9-C0BB-46C6-ADAC-505319B93071}" type="datetimeFigureOut">
               <a:rPr lang="hu-HU" smtClean="0"/>
-              <a:t>2022. 03. 17.</a:t>
+              <a:t>2022. 03. 18.</a:t>
             </a:fld>
             <a:endParaRPr lang="hu-HU"/>
           </a:p>
@@ -1404,7 +1404,7 @@
           <a:p>
             <a:fld id="{624B17E9-C0BB-46C6-ADAC-505319B93071}" type="datetimeFigureOut">
               <a:rPr lang="hu-HU" smtClean="0"/>
-              <a:t>2022. 03. 17.</a:t>
+              <a:t>2022. 03. 18.</a:t>
             </a:fld>
             <a:endParaRPr lang="hu-HU"/>
           </a:p>
@@ -1816,7 +1816,7 @@
           <a:p>
             <a:fld id="{624B17E9-C0BB-46C6-ADAC-505319B93071}" type="datetimeFigureOut">
               <a:rPr lang="hu-HU" smtClean="0"/>
-              <a:t>2022. 03. 17.</a:t>
+              <a:t>2022. 03. 18.</a:t>
             </a:fld>
             <a:endParaRPr lang="hu-HU"/>
           </a:p>
@@ -1957,7 +1957,7 @@
           <a:p>
             <a:fld id="{624B17E9-C0BB-46C6-ADAC-505319B93071}" type="datetimeFigureOut">
               <a:rPr lang="hu-HU" smtClean="0"/>
-              <a:t>2022. 03. 17.</a:t>
+              <a:t>2022. 03. 18.</a:t>
             </a:fld>
             <a:endParaRPr lang="hu-HU"/>
           </a:p>
@@ -2070,7 +2070,7 @@
           <a:p>
             <a:fld id="{624B17E9-C0BB-46C6-ADAC-505319B93071}" type="datetimeFigureOut">
               <a:rPr lang="hu-HU" smtClean="0"/>
-              <a:t>2022. 03. 17.</a:t>
+              <a:t>2022. 03. 18.</a:t>
             </a:fld>
             <a:endParaRPr lang="hu-HU"/>
           </a:p>
@@ -2381,7 +2381,7 @@
           <a:p>
             <a:fld id="{624B17E9-C0BB-46C6-ADAC-505319B93071}" type="datetimeFigureOut">
               <a:rPr lang="hu-HU" smtClean="0"/>
-              <a:t>2022. 03. 17.</a:t>
+              <a:t>2022. 03. 18.</a:t>
             </a:fld>
             <a:endParaRPr lang="hu-HU"/>
           </a:p>
@@ -2669,7 +2669,7 @@
           <a:p>
             <a:fld id="{624B17E9-C0BB-46C6-ADAC-505319B93071}" type="datetimeFigureOut">
               <a:rPr lang="hu-HU" smtClean="0"/>
-              <a:t>2022. 03. 17.</a:t>
+              <a:t>2022. 03. 18.</a:t>
             </a:fld>
             <a:endParaRPr lang="hu-HU"/>
           </a:p>
@@ -2910,7 +2910,7 @@
           <a:p>
             <a:fld id="{624B17E9-C0BB-46C6-ADAC-505319B93071}" type="datetimeFigureOut">
               <a:rPr lang="hu-HU" smtClean="0"/>
-              <a:t>2022. 03. 17.</a:t>
+              <a:t>2022. 03. 18.</a:t>
             </a:fld>
             <a:endParaRPr lang="hu-HU"/>
           </a:p>
@@ -4400,7 +4400,7 @@
         </p:blipFill>
         <p:spPr>
           <a:xfrm>
-            <a:off x="5358973" y="3812838"/>
+            <a:off x="2755473" y="3457832"/>
             <a:ext cx="1686222" cy="1706217"/>
           </a:xfrm>
           <a:prstGeom prst="rect">
@@ -4424,7 +4424,7 @@
         </p:nvCxnSpPr>
         <p:spPr>
           <a:xfrm flipH="1">
-            <a:off x="6132439" y="3074062"/>
+            <a:off x="3528939" y="2719056"/>
             <a:ext cx="1" cy="709875"/>
           </a:xfrm>
           <a:prstGeom prst="line">
@@ -4465,7 +4465,7 @@
         </p:nvSpPr>
         <p:spPr>
           <a:xfrm>
-            <a:off x="5305930" y="5460781"/>
+            <a:off x="2702430" y="5105775"/>
             <a:ext cx="1653018" cy="646331"/>
           </a:xfrm>
           <a:prstGeom prst="rect">
@@ -4511,10 +4511,10 @@
       </p:sp>
       <p:pic>
         <p:nvPicPr>
-          <p:cNvPr id="16" name="Kép 15">
-            <a:extLst>
-              <a:ext uri="{FF2B5EF4-FFF2-40B4-BE49-F238E27FC236}">
-                <a16:creationId xmlns:a16="http://schemas.microsoft.com/office/drawing/2014/main" id="{963F3AF6-E7A3-467F-9188-6D0DF99BF632}"/>
+          <p:cNvPr id="24" name="Kép 23">
+            <a:extLst>
+              <a:ext uri="{FF2B5EF4-FFF2-40B4-BE49-F238E27FC236}">
+                <a16:creationId xmlns:a16="http://schemas.microsoft.com/office/drawing/2014/main" id="{6E4CA87D-21C1-4FAB-ACF8-DB0C73AF1453}"/>
               </a:ext>
             </a:extLst>
           </p:cNvPr>
@@ -4537,115 +4537,7 @@
         </p:blipFill>
         <p:spPr>
           <a:xfrm>
-            <a:off x="9345529" y="4149129"/>
-            <a:ext cx="2135271" cy="1634817"/>
-          </a:xfrm>
-          <a:prstGeom prst="rect">
-            <a:avLst/>
-          </a:prstGeom>
-        </p:spPr>
-      </p:pic>
-      <p:pic>
-        <p:nvPicPr>
-          <p:cNvPr id="18" name="Kép 17">
-            <a:extLst>
-              <a:ext uri="{FF2B5EF4-FFF2-40B4-BE49-F238E27FC236}">
-                <a16:creationId xmlns:a16="http://schemas.microsoft.com/office/drawing/2014/main" id="{54AE4D90-9452-4055-BC09-3A50DD6F9801}"/>
-              </a:ext>
-            </a:extLst>
-          </p:cNvPr>
-          <p:cNvPicPr>
-            <a:picLocks noChangeAspect="1"/>
-          </p:cNvPicPr>
-          <p:nvPr/>
-        </p:nvPicPr>
-        <p:blipFill>
-          <a:blip r:embed="rId4">
-            <a:extLst>
-              <a:ext uri="{28A0092B-C50C-407E-A947-70E740481C1C}">
-                <a14:useLocalDpi xmlns:a14="http://schemas.microsoft.com/office/drawing/2010/main" val="0"/>
-              </a:ext>
-            </a:extLst>
-          </a:blip>
-          <a:stretch>
-            <a:fillRect/>
-          </a:stretch>
-        </p:blipFill>
-        <p:spPr>
-          <a:xfrm>
-            <a:off x="1071258" y="3783937"/>
-            <a:ext cx="1180886" cy="2042613"/>
-          </a:xfrm>
-          <a:prstGeom prst="rect">
-            <a:avLst/>
-          </a:prstGeom>
-        </p:spPr>
-      </p:pic>
-      <p:pic>
-        <p:nvPicPr>
-          <p:cNvPr id="20" name="Kép 19">
-            <a:extLst>
-              <a:ext uri="{FF2B5EF4-FFF2-40B4-BE49-F238E27FC236}">
-                <a16:creationId xmlns:a16="http://schemas.microsoft.com/office/drawing/2014/main" id="{A39C7CC2-B9A1-42FD-8704-1F93AA52049F}"/>
-              </a:ext>
-            </a:extLst>
-          </p:cNvPr>
-          <p:cNvPicPr>
-            <a:picLocks noChangeAspect="1"/>
-          </p:cNvPicPr>
-          <p:nvPr/>
-        </p:nvPicPr>
-        <p:blipFill>
-          <a:blip r:embed="rId5">
-            <a:extLst>
-              <a:ext uri="{28A0092B-C50C-407E-A947-70E740481C1C}">
-                <a14:useLocalDpi xmlns:a14="http://schemas.microsoft.com/office/drawing/2010/main" val="0"/>
-              </a:ext>
-            </a:extLst>
-          </a:blip>
-          <a:stretch>
-            <a:fillRect/>
-          </a:stretch>
-        </p:blipFill>
-        <p:spPr>
-          <a:xfrm>
-            <a:off x="711200" y="1074052"/>
-            <a:ext cx="1901002" cy="1440603"/>
-          </a:xfrm>
-          <a:prstGeom prst="rect">
-            <a:avLst/>
-          </a:prstGeom>
-        </p:spPr>
-      </p:pic>
-      <p:pic>
-        <p:nvPicPr>
-          <p:cNvPr id="24" name="Kép 23">
-            <a:extLst>
-              <a:ext uri="{FF2B5EF4-FFF2-40B4-BE49-F238E27FC236}">
-                <a16:creationId xmlns:a16="http://schemas.microsoft.com/office/drawing/2014/main" id="{6E4CA87D-21C1-4FAB-ACF8-DB0C73AF1453}"/>
-              </a:ext>
-            </a:extLst>
-          </p:cNvPr>
-          <p:cNvPicPr>
-            <a:picLocks noChangeAspect="1"/>
-          </p:cNvPicPr>
-          <p:nvPr/>
-        </p:nvPicPr>
-        <p:blipFill>
-          <a:blip r:embed="rId6">
-            <a:extLst>
-              <a:ext uri="{28A0092B-C50C-407E-A947-70E740481C1C}">
-                <a14:useLocalDpi xmlns:a14="http://schemas.microsoft.com/office/drawing/2010/main" val="0"/>
-              </a:ext>
-            </a:extLst>
-          </a:blip>
-          <a:stretch>
-            <a:fillRect/>
-          </a:stretch>
-        </p:blipFill>
-        <p:spPr>
-          <a:xfrm>
-            <a:off x="9531384" y="1076202"/>
+            <a:off x="7836554" y="3483341"/>
             <a:ext cx="1763559" cy="1632669"/>
           </a:xfrm>
           <a:prstGeom prst="rect">
@@ -4655,24 +4547,24 @@
       </p:pic>
       <p:cxnSp>
         <p:nvCxnSpPr>
-          <p:cNvPr id="25" name="Egyenes összekötő 24">
-            <a:extLst>
-              <a:ext uri="{FF2B5EF4-FFF2-40B4-BE49-F238E27FC236}">
-                <a16:creationId xmlns:a16="http://schemas.microsoft.com/office/drawing/2014/main" id="{577F0B94-5AB9-4D09-8176-15A9BD5E7A6B}"/>
+          <p:cNvPr id="35" name="Egyenes összekötő 34">
+            <a:extLst>
+              <a:ext uri="{FF2B5EF4-FFF2-40B4-BE49-F238E27FC236}">
+                <a16:creationId xmlns:a16="http://schemas.microsoft.com/office/drawing/2014/main" id="{B13D049C-44F5-4B3E-BE22-1CB105EFCAD1}"/>
               </a:ext>
             </a:extLst>
           </p:cNvPr>
           <p:cNvCxnSpPr>
             <a:cxnSpLocks/>
-            <a:stCxn id="20" idx="3"/>
-            <a:endCxn id="7" idx="1"/>
+            <a:stCxn id="7" idx="3"/>
+            <a:endCxn id="24" idx="1"/>
           </p:cNvCxnSpPr>
           <p:nvPr/>
         </p:nvCxnSpPr>
         <p:spPr>
-          <a:xfrm>
-            <a:off x="2612202" y="1794354"/>
-            <a:ext cx="2746771" cy="2871593"/>
+          <a:xfrm flipV="1">
+            <a:off x="4441695" y="4299676"/>
+            <a:ext cx="3394859" cy="11265"/>
           </a:xfrm>
           <a:prstGeom prst="line">
             <a:avLst/>
@@ -4698,157 +4590,22 @@
           </a:fontRef>
         </p:style>
       </p:cxnSp>
-      <p:cxnSp>
-        <p:nvCxnSpPr>
-          <p:cNvPr id="28" name="Egyenes összekötő 27">
-            <a:extLst>
-              <a:ext uri="{FF2B5EF4-FFF2-40B4-BE49-F238E27FC236}">
-                <a16:creationId xmlns:a16="http://schemas.microsoft.com/office/drawing/2014/main" id="{7200BD90-807A-4166-AA50-9384D1A395AE}"/>
-              </a:ext>
-            </a:extLst>
-          </p:cNvPr>
-          <p:cNvCxnSpPr>
-            <a:cxnSpLocks/>
-            <a:stCxn id="18" idx="3"/>
-            <a:endCxn id="7" idx="1"/>
-          </p:cNvCxnSpPr>
+      <p:sp>
+        <p:nvSpPr>
+          <p:cNvPr id="44" name="Téglalap 43">
+            <a:extLst>
+              <a:ext uri="{FF2B5EF4-FFF2-40B4-BE49-F238E27FC236}">
+                <a16:creationId xmlns:a16="http://schemas.microsoft.com/office/drawing/2014/main" id="{5C5F9DC2-E56F-4CD2-B799-A76EA1120AB1}"/>
+              </a:ext>
+            </a:extLst>
+          </p:cNvPr>
+          <p:cNvSpPr/>
           <p:nvPr/>
-        </p:nvCxnSpPr>
-        <p:spPr>
-          <a:xfrm flipV="1">
-            <a:off x="2252144" y="4665947"/>
-            <a:ext cx="3106829" cy="139297"/>
-          </a:xfrm>
-          <a:prstGeom prst="line">
-            <a:avLst/>
-          </a:prstGeom>
-          <a:ln w="38100">
-            <a:solidFill>
-              <a:schemeClr val="accent1"/>
-            </a:solidFill>
-          </a:ln>
-        </p:spPr>
-        <p:style>
-          <a:lnRef idx="3">
-            <a:schemeClr val="accent6"/>
-          </a:lnRef>
-          <a:fillRef idx="0">
-            <a:schemeClr val="accent6"/>
-          </a:fillRef>
-          <a:effectRef idx="2">
-            <a:schemeClr val="accent6"/>
-          </a:effectRef>
-          <a:fontRef idx="minor">
-            <a:schemeClr val="tx1"/>
-          </a:fontRef>
-        </p:style>
-      </p:cxnSp>
-      <p:cxnSp>
-        <p:nvCxnSpPr>
-          <p:cNvPr id="32" name="Egyenes összekötő 31">
-            <a:extLst>
-              <a:ext uri="{FF2B5EF4-FFF2-40B4-BE49-F238E27FC236}">
-                <a16:creationId xmlns:a16="http://schemas.microsoft.com/office/drawing/2014/main" id="{F6318CA3-8608-41F3-9DCB-C94DDCC5D145}"/>
-              </a:ext>
-            </a:extLst>
-          </p:cNvPr>
-          <p:cNvCxnSpPr>
-            <a:cxnSpLocks/>
-            <a:stCxn id="7" idx="3"/>
-            <a:endCxn id="16" idx="1"/>
-          </p:cNvCxnSpPr>
-          <p:nvPr/>
-        </p:nvCxnSpPr>
+        </p:nvSpPr>
         <p:spPr>
           <a:xfrm>
-            <a:off x="7045195" y="4665947"/>
-            <a:ext cx="2300334" cy="300591"/>
-          </a:xfrm>
-          <a:prstGeom prst="line">
-            <a:avLst/>
-          </a:prstGeom>
-          <a:ln w="38100">
-            <a:solidFill>
-              <a:schemeClr val="accent1"/>
-            </a:solidFill>
-          </a:ln>
-        </p:spPr>
-        <p:style>
-          <a:lnRef idx="3">
-            <a:schemeClr val="accent6"/>
-          </a:lnRef>
-          <a:fillRef idx="0">
-            <a:schemeClr val="accent6"/>
-          </a:fillRef>
-          <a:effectRef idx="2">
-            <a:schemeClr val="accent6"/>
-          </a:effectRef>
-          <a:fontRef idx="minor">
-            <a:schemeClr val="tx1"/>
-          </a:fontRef>
-        </p:style>
-      </p:cxnSp>
-      <p:cxnSp>
-        <p:nvCxnSpPr>
-          <p:cNvPr id="35" name="Egyenes összekötő 34">
-            <a:extLst>
-              <a:ext uri="{FF2B5EF4-FFF2-40B4-BE49-F238E27FC236}">
-                <a16:creationId xmlns:a16="http://schemas.microsoft.com/office/drawing/2014/main" id="{B13D049C-44F5-4B3E-BE22-1CB105EFCAD1}"/>
-              </a:ext>
-            </a:extLst>
-          </p:cNvPr>
-          <p:cNvCxnSpPr>
-            <a:cxnSpLocks/>
-            <a:stCxn id="7" idx="3"/>
-            <a:endCxn id="24" idx="1"/>
-          </p:cNvCxnSpPr>
-          <p:nvPr/>
-        </p:nvCxnSpPr>
-        <p:spPr>
-          <a:xfrm flipV="1">
-            <a:off x="7045195" y="1892537"/>
-            <a:ext cx="2486189" cy="2773410"/>
-          </a:xfrm>
-          <a:prstGeom prst="line">
-            <a:avLst/>
-          </a:prstGeom>
-          <a:ln w="38100">
-            <a:solidFill>
-              <a:schemeClr val="accent1"/>
-            </a:solidFill>
-          </a:ln>
-        </p:spPr>
-        <p:style>
-          <a:lnRef idx="3">
-            <a:schemeClr val="accent6"/>
-          </a:lnRef>
-          <a:fillRef idx="0">
-            <a:schemeClr val="accent6"/>
-          </a:fillRef>
-          <a:effectRef idx="2">
-            <a:schemeClr val="accent6"/>
-          </a:effectRef>
-          <a:fontRef idx="minor">
-            <a:schemeClr val="tx1"/>
-          </a:fontRef>
-        </p:style>
-      </p:cxnSp>
-      <p:sp>
-        <p:nvSpPr>
-          <p:cNvPr id="38" name="Téglalap 37">
-            <a:extLst>
-              <a:ext uri="{FF2B5EF4-FFF2-40B4-BE49-F238E27FC236}">
-                <a16:creationId xmlns:a16="http://schemas.microsoft.com/office/drawing/2014/main" id="{3C227BD9-297E-405E-B9B7-8066F7BB6C71}"/>
-              </a:ext>
-            </a:extLst>
-          </p:cNvPr>
-          <p:cNvSpPr/>
-          <p:nvPr/>
-        </p:nvSpPr>
-        <p:spPr>
-          <a:xfrm>
-            <a:off x="697336" y="2427731"/>
-            <a:ext cx="1928734" cy="646331"/>
+            <a:off x="7938279" y="4943140"/>
+            <a:ext cx="1394934" cy="646331"/>
           </a:xfrm>
           <a:prstGeom prst="rect">
             <a:avLst/>
@@ -4872,7 +4629,7 @@
           <a:p>
             <a:pPr algn="ctr"/>
             <a:r>
-              <a:rPr lang="hu-HU" sz="3600" b="1" cap="none" spc="0" dirty="0" err="1">
+              <a:rPr lang="hu-HU" sz="3600" b="1" cap="none" spc="0" dirty="0">
                 <a:ln/>
                 <a:solidFill>
                   <a:schemeClr val="accent1"/>
@@ -4886,238 +4643,8 @@
                 </a:effectLst>
                 <a:latin typeface="Berlin Sans FB Demi" panose="020E0802020502020306" pitchFamily="34" charset="0"/>
               </a:rPr>
-              <a:t>Kliens_A</a:t>
-            </a:r>
-            <a:endParaRPr lang="hu-HU" sz="3600" b="1" cap="none" spc="0" dirty="0">
-              <a:ln/>
-              <a:solidFill>
-                <a:schemeClr val="accent1"/>
-              </a:solidFill>
-              <a:effectLst>
-                <a:outerShdw blurRad="38100" dist="38100" dir="2700000" algn="tl">
-                  <a:srgbClr val="000000">
-                    <a:alpha val="43137"/>
-                  </a:srgbClr>
-                </a:outerShdw>
-              </a:effectLst>
-              <a:latin typeface="Berlin Sans FB Demi" panose="020E0802020502020306" pitchFamily="34" charset="0"/>
-            </a:endParaRPr>
-          </a:p>
-        </p:txBody>
-      </p:sp>
-      <p:sp>
-        <p:nvSpPr>
-          <p:cNvPr id="43" name="Téglalap 42">
-            <a:extLst>
-              <a:ext uri="{FF2B5EF4-FFF2-40B4-BE49-F238E27FC236}">
-                <a16:creationId xmlns:a16="http://schemas.microsoft.com/office/drawing/2014/main" id="{E5C38579-7776-4747-B350-1019EA2699B3}"/>
-              </a:ext>
-            </a:extLst>
-          </p:cNvPr>
-          <p:cNvSpPr/>
-          <p:nvPr/>
-        </p:nvSpPr>
-        <p:spPr>
-          <a:xfrm>
-            <a:off x="679470" y="5664780"/>
-            <a:ext cx="1928734" cy="646331"/>
-          </a:xfrm>
-          <a:prstGeom prst="rect">
-            <a:avLst/>
-          </a:prstGeom>
-          <a:noFill/>
-        </p:spPr>
-        <p:txBody>
-          <a:bodyPr wrap="none" lIns="91440" tIns="45720" rIns="91440" bIns="45720">
-            <a:spAutoFit/>
-            <a:scene3d>
-              <a:camera prst="orthographicFront"/>
-              <a:lightRig rig="soft" dir="t">
-                <a:rot lat="0" lon="0" rev="15600000"/>
-              </a:lightRig>
-            </a:scene3d>
-            <a:sp3d extrusionH="57150" prstMaterial="softEdge">
-              <a:bevelT w="25400" h="38100"/>
-            </a:sp3d>
-          </a:bodyPr>
-          <a:lstStyle/>
-          <a:p>
-            <a:pPr algn="ctr"/>
-            <a:r>
-              <a:rPr lang="hu-HU" sz="3600" b="1" cap="none" spc="0" dirty="0" err="1">
-                <a:ln/>
-                <a:solidFill>
-                  <a:schemeClr val="accent1"/>
-                </a:solidFill>
-                <a:effectLst>
-                  <a:outerShdw blurRad="38100" dist="38100" dir="2700000" algn="tl">
-                    <a:srgbClr val="000000">
-                      <a:alpha val="43137"/>
-                    </a:srgbClr>
-                  </a:outerShdw>
-                </a:effectLst>
-                <a:latin typeface="Berlin Sans FB Demi" panose="020E0802020502020306" pitchFamily="34" charset="0"/>
-              </a:rPr>
-              <a:t>Kliens_B</a:t>
-            </a:r>
-            <a:endParaRPr lang="hu-HU" sz="3600" b="1" cap="none" spc="0" dirty="0">
-              <a:ln/>
-              <a:solidFill>
-                <a:schemeClr val="accent1"/>
-              </a:solidFill>
-              <a:effectLst>
-                <a:outerShdw blurRad="38100" dist="38100" dir="2700000" algn="tl">
-                  <a:srgbClr val="000000">
-                    <a:alpha val="43137"/>
-                  </a:srgbClr>
-                </a:outerShdw>
-              </a:effectLst>
-              <a:latin typeface="Berlin Sans FB Demi" panose="020E0802020502020306" pitchFamily="34" charset="0"/>
-            </a:endParaRPr>
-          </a:p>
-        </p:txBody>
-      </p:sp>
-      <p:sp>
-        <p:nvSpPr>
-          <p:cNvPr id="44" name="Téglalap 43">
-            <a:extLst>
-              <a:ext uri="{FF2B5EF4-FFF2-40B4-BE49-F238E27FC236}">
-                <a16:creationId xmlns:a16="http://schemas.microsoft.com/office/drawing/2014/main" id="{5C5F9DC2-E56F-4CD2-B799-A76EA1120AB1}"/>
-              </a:ext>
-            </a:extLst>
-          </p:cNvPr>
-          <p:cNvSpPr/>
-          <p:nvPr/>
-        </p:nvSpPr>
-        <p:spPr>
-          <a:xfrm>
-            <a:off x="9366209" y="2536001"/>
-            <a:ext cx="1928734" cy="646331"/>
-          </a:xfrm>
-          <a:prstGeom prst="rect">
-            <a:avLst/>
-          </a:prstGeom>
-          <a:noFill/>
-        </p:spPr>
-        <p:txBody>
-          <a:bodyPr wrap="none" lIns="91440" tIns="45720" rIns="91440" bIns="45720">
-            <a:spAutoFit/>
-            <a:scene3d>
-              <a:camera prst="orthographicFront"/>
-              <a:lightRig rig="soft" dir="t">
-                <a:rot lat="0" lon="0" rev="15600000"/>
-              </a:lightRig>
-            </a:scene3d>
-            <a:sp3d extrusionH="57150" prstMaterial="softEdge">
-              <a:bevelT w="25400" h="38100"/>
-            </a:sp3d>
-          </a:bodyPr>
-          <a:lstStyle/>
-          <a:p>
-            <a:pPr algn="ctr"/>
-            <a:r>
-              <a:rPr lang="hu-HU" sz="3600" b="1" cap="none" spc="0" dirty="0" err="1">
-                <a:ln/>
-                <a:solidFill>
-                  <a:schemeClr val="accent1"/>
-                </a:solidFill>
-                <a:effectLst>
-                  <a:outerShdw blurRad="38100" dist="38100" dir="2700000" algn="tl">
-                    <a:srgbClr val="000000">
-                      <a:alpha val="43137"/>
-                    </a:srgbClr>
-                  </a:outerShdw>
-                </a:effectLst>
-                <a:latin typeface="Berlin Sans FB Demi" panose="020E0802020502020306" pitchFamily="34" charset="0"/>
-              </a:rPr>
-              <a:t>Kliens_C</a:t>
-            </a:r>
-            <a:endParaRPr lang="hu-HU" sz="3600" b="1" cap="none" spc="0" dirty="0">
-              <a:ln/>
-              <a:solidFill>
-                <a:schemeClr val="accent1"/>
-              </a:solidFill>
-              <a:effectLst>
-                <a:outerShdw blurRad="38100" dist="38100" dir="2700000" algn="tl">
-                  <a:srgbClr val="000000">
-                    <a:alpha val="43137"/>
-                  </a:srgbClr>
-                </a:outerShdw>
-              </a:effectLst>
-              <a:latin typeface="Berlin Sans FB Demi" panose="020E0802020502020306" pitchFamily="34" charset="0"/>
-            </a:endParaRPr>
-          </a:p>
-        </p:txBody>
-      </p:sp>
-      <p:sp>
-        <p:nvSpPr>
-          <p:cNvPr id="45" name="Téglalap 44">
-            <a:extLst>
-              <a:ext uri="{FF2B5EF4-FFF2-40B4-BE49-F238E27FC236}">
-                <a16:creationId xmlns:a16="http://schemas.microsoft.com/office/drawing/2014/main" id="{3B3C199C-A51C-4DE6-94AD-B7ADAFE69034}"/>
-              </a:ext>
-            </a:extLst>
-          </p:cNvPr>
-          <p:cNvSpPr/>
-          <p:nvPr/>
-        </p:nvSpPr>
-        <p:spPr>
-          <a:xfrm>
-            <a:off x="9366209" y="5781798"/>
-            <a:ext cx="1928734" cy="646331"/>
-          </a:xfrm>
-          <a:prstGeom prst="rect">
-            <a:avLst/>
-          </a:prstGeom>
-          <a:noFill/>
-        </p:spPr>
-        <p:txBody>
-          <a:bodyPr wrap="none" lIns="91440" tIns="45720" rIns="91440" bIns="45720">
-            <a:spAutoFit/>
-            <a:scene3d>
-              <a:camera prst="orthographicFront"/>
-              <a:lightRig rig="soft" dir="t">
-                <a:rot lat="0" lon="0" rev="15600000"/>
-              </a:lightRig>
-            </a:scene3d>
-            <a:sp3d extrusionH="57150" prstMaterial="softEdge">
-              <a:bevelT w="25400" h="38100"/>
-            </a:sp3d>
-          </a:bodyPr>
-          <a:lstStyle/>
-          <a:p>
-            <a:pPr algn="ctr"/>
-            <a:r>
-              <a:rPr lang="hu-HU" sz="3600" b="1" cap="none" spc="0" dirty="0" err="1">
-                <a:ln/>
-                <a:solidFill>
-                  <a:schemeClr val="accent1"/>
-                </a:solidFill>
-                <a:effectLst>
-                  <a:outerShdw blurRad="38100" dist="38100" dir="2700000" algn="tl">
-                    <a:srgbClr val="000000">
-                      <a:alpha val="43137"/>
-                    </a:srgbClr>
-                  </a:outerShdw>
-                </a:effectLst>
-                <a:latin typeface="Berlin Sans FB Demi" panose="020E0802020502020306" pitchFamily="34" charset="0"/>
-              </a:rPr>
-              <a:t>Kliens_D</a:t>
-            </a:r>
-            <a:endParaRPr lang="hu-HU" sz="3600" b="1" cap="none" spc="0" dirty="0">
-              <a:ln/>
-              <a:solidFill>
-                <a:schemeClr val="accent1"/>
-              </a:solidFill>
-              <a:effectLst>
-                <a:outerShdw blurRad="38100" dist="38100" dir="2700000" algn="tl">
-                  <a:srgbClr val="000000">
-                    <a:alpha val="43137"/>
-                  </a:srgbClr>
-                </a:outerShdw>
-              </a:effectLst>
-              <a:latin typeface="Berlin Sans FB Demi" panose="020E0802020502020306" pitchFamily="34" charset="0"/>
-            </a:endParaRPr>
+              <a:t>Kliens</a:t>
+            </a:r>
           </a:p>
         </p:txBody>
       </p:sp>
@@ -5136,7 +4663,7 @@
           <p:nvPr/>
         </p:nvPicPr>
         <p:blipFill>
-          <a:blip r:embed="rId7">
+          <a:blip r:embed="rId4">
             <a:extLst>
               <a:ext uri="{28A0092B-C50C-407E-A947-70E740481C1C}">
                 <a14:useLocalDpi xmlns:a14="http://schemas.microsoft.com/office/drawing/2010/main" val="0"/>
@@ -5150,7 +4677,7 @@
         </p:blipFill>
         <p:spPr bwMode="auto">
           <a:xfrm>
-            <a:off x="5204809" y="1312755"/>
+            <a:off x="2601309" y="957749"/>
             <a:ext cx="1855259" cy="1855259"/>
           </a:xfrm>
           <a:prstGeom prst="rect">
@@ -5182,7 +4709,7 @@
         </p:nvSpPr>
         <p:spPr>
           <a:xfrm>
-            <a:off x="5564926" y="5944477"/>
+            <a:off x="2961426" y="5589471"/>
             <a:ext cx="1135023" cy="369332"/>
           </a:xfrm>
           <a:prstGeom prst="rect">

--- a/Tervek.pptx
+++ b/Tervek.pptx
@@ -260,7 +260,7 @@
           <a:p>
             <a:fld id="{624B17E9-C0BB-46C6-ADAC-505319B93071}" type="datetimeFigureOut">
               <a:rPr lang="hu-HU" smtClean="0"/>
-              <a:t>2022. 03. 18.</a:t>
+              <a:t>2022. 03. 21.</a:t>
             </a:fld>
             <a:endParaRPr lang="hu-HU"/>
           </a:p>
@@ -458,7 +458,7 @@
           <a:p>
             <a:fld id="{624B17E9-C0BB-46C6-ADAC-505319B93071}" type="datetimeFigureOut">
               <a:rPr lang="hu-HU" smtClean="0"/>
-              <a:t>2022. 03. 18.</a:t>
+              <a:t>2022. 03. 21.</a:t>
             </a:fld>
             <a:endParaRPr lang="hu-HU"/>
           </a:p>
@@ -666,7 +666,7 @@
           <a:p>
             <a:fld id="{624B17E9-C0BB-46C6-ADAC-505319B93071}" type="datetimeFigureOut">
               <a:rPr lang="hu-HU" smtClean="0"/>
-              <a:t>2022. 03. 18.</a:t>
+              <a:t>2022. 03. 21.</a:t>
             </a:fld>
             <a:endParaRPr lang="hu-HU"/>
           </a:p>
@@ -864,7 +864,7 @@
           <a:p>
             <a:fld id="{624B17E9-C0BB-46C6-ADAC-505319B93071}" type="datetimeFigureOut">
               <a:rPr lang="hu-HU" smtClean="0"/>
-              <a:t>2022. 03. 18.</a:t>
+              <a:t>2022. 03. 21.</a:t>
             </a:fld>
             <a:endParaRPr lang="hu-HU"/>
           </a:p>
@@ -1139,7 +1139,7 @@
           <a:p>
             <a:fld id="{624B17E9-C0BB-46C6-ADAC-505319B93071}" type="datetimeFigureOut">
               <a:rPr lang="hu-HU" smtClean="0"/>
-              <a:t>2022. 03. 18.</a:t>
+              <a:t>2022. 03. 21.</a:t>
             </a:fld>
             <a:endParaRPr lang="hu-HU"/>
           </a:p>
@@ -1404,7 +1404,7 @@
           <a:p>
             <a:fld id="{624B17E9-C0BB-46C6-ADAC-505319B93071}" type="datetimeFigureOut">
               <a:rPr lang="hu-HU" smtClean="0"/>
-              <a:t>2022. 03. 18.</a:t>
+              <a:t>2022. 03. 21.</a:t>
             </a:fld>
             <a:endParaRPr lang="hu-HU"/>
           </a:p>
@@ -1816,7 +1816,7 @@
           <a:p>
             <a:fld id="{624B17E9-C0BB-46C6-ADAC-505319B93071}" type="datetimeFigureOut">
               <a:rPr lang="hu-HU" smtClean="0"/>
-              <a:t>2022. 03. 18.</a:t>
+              <a:t>2022. 03. 21.</a:t>
             </a:fld>
             <a:endParaRPr lang="hu-HU"/>
           </a:p>
@@ -1957,7 +1957,7 @@
           <a:p>
             <a:fld id="{624B17E9-C0BB-46C6-ADAC-505319B93071}" type="datetimeFigureOut">
               <a:rPr lang="hu-HU" smtClean="0"/>
-              <a:t>2022. 03. 18.</a:t>
+              <a:t>2022. 03. 21.</a:t>
             </a:fld>
             <a:endParaRPr lang="hu-HU"/>
           </a:p>
@@ -2070,7 +2070,7 @@
           <a:p>
             <a:fld id="{624B17E9-C0BB-46C6-ADAC-505319B93071}" type="datetimeFigureOut">
               <a:rPr lang="hu-HU" smtClean="0"/>
-              <a:t>2022. 03. 18.</a:t>
+              <a:t>2022. 03. 21.</a:t>
             </a:fld>
             <a:endParaRPr lang="hu-HU"/>
           </a:p>
@@ -2381,7 +2381,7 @@
           <a:p>
             <a:fld id="{624B17E9-C0BB-46C6-ADAC-505319B93071}" type="datetimeFigureOut">
               <a:rPr lang="hu-HU" smtClean="0"/>
-              <a:t>2022. 03. 18.</a:t>
+              <a:t>2022. 03. 21.</a:t>
             </a:fld>
             <a:endParaRPr lang="hu-HU"/>
           </a:p>
@@ -2669,7 +2669,7 @@
           <a:p>
             <a:fld id="{624B17E9-C0BB-46C6-ADAC-505319B93071}" type="datetimeFigureOut">
               <a:rPr lang="hu-HU" smtClean="0"/>
-              <a:t>2022. 03. 18.</a:t>
+              <a:t>2022. 03. 21.</a:t>
             </a:fld>
             <a:endParaRPr lang="hu-HU"/>
           </a:p>
@@ -2910,7 +2910,7 @@
           <a:p>
             <a:fld id="{624B17E9-C0BB-46C6-ADAC-505319B93071}" type="datetimeFigureOut">
               <a:rPr lang="hu-HU" smtClean="0"/>
-              <a:t>2022. 03. 18.</a:t>
+              <a:t>2022. 03. 21.</a:t>
             </a:fld>
             <a:endParaRPr lang="hu-HU"/>
           </a:p>
@@ -3342,13 +3342,13 @@
           <p:nvPr>
             <p:extLst>
               <p:ext uri="{D42A27DB-BD31-4B8C-83A1-F6EECF244321}">
-                <p14:modId xmlns:p14="http://schemas.microsoft.com/office/powerpoint/2010/main" val="2737359288"/>
+                <p14:modId xmlns:p14="http://schemas.microsoft.com/office/powerpoint/2010/main" val="1096397061"/>
               </p:ext>
             </p:extLst>
           </p:nvPr>
         </p:nvGraphicFramePr>
         <p:xfrm>
-          <a:off x="152400" y="2061634"/>
+          <a:off x="4000501" y="418822"/>
           <a:ext cx="3162300" cy="2377440"/>
         </p:xfrm>
         <a:graphic>
@@ -3576,14 +3576,14 @@
           <p:nvPr>
             <p:extLst>
               <p:ext uri="{D42A27DB-BD31-4B8C-83A1-F6EECF244321}">
-                <p14:modId xmlns:p14="http://schemas.microsoft.com/office/powerpoint/2010/main" val="4250163820"/>
+                <p14:modId xmlns:p14="http://schemas.microsoft.com/office/powerpoint/2010/main" val="4256565101"/>
               </p:ext>
             </p:extLst>
           </p:nvPr>
         </p:nvGraphicFramePr>
         <p:xfrm>
-          <a:off x="8877300" y="2061634"/>
-          <a:ext cx="3162300" cy="1463040"/>
+          <a:off x="288228" y="3553890"/>
+          <a:ext cx="3162300" cy="2682240"/>
         </p:xfrm>
         <a:graphic>
           <a:graphicData uri="http://schemas.openxmlformats.org/drawingml/2006/table">
@@ -3718,6 +3718,31 @@
                     </a:p>
                     <a:p>
                       <a:r>
+                        <a:rPr lang="hu-HU" sz="2000" b="1" kern="1200" dirty="0" err="1">
+                          <a:solidFill>
+                            <a:schemeClr val="accent4">
+                              <a:lumMod val="50000"/>
+                            </a:schemeClr>
+                          </a:solidFill>
+                          <a:latin typeface="+mn-lt"/>
+                          <a:ea typeface="+mn-ea"/>
+                          <a:cs typeface="+mn-cs"/>
+                        </a:rPr>
+                        <a:t>Device</a:t>
+                      </a:r>
+                      <a:endParaRPr lang="hu-HU" sz="2000" b="1" kern="1200" dirty="0">
+                        <a:solidFill>
+                          <a:schemeClr val="accent4">
+                            <a:lumMod val="50000"/>
+                          </a:schemeClr>
+                        </a:solidFill>
+                        <a:latin typeface="+mn-lt"/>
+                        <a:ea typeface="+mn-ea"/>
+                        <a:cs typeface="+mn-cs"/>
+                      </a:endParaRPr>
+                    </a:p>
+                    <a:p>
+                      <a:r>
                         <a:rPr lang="hu-HU" sz="2000" b="1" kern="1200" dirty="0">
                           <a:solidFill>
                             <a:schemeClr val="accent4">
@@ -3728,8 +3753,83 @@
                           <a:ea typeface="+mn-ea"/>
                           <a:cs typeface="+mn-cs"/>
                         </a:rPr>
-                        <a:t>Standard Time</a:t>
+                        <a:t>Status</a:t>
                       </a:r>
+                    </a:p>
+                    <a:p>
+                      <a:r>
+                        <a:rPr lang="hu-HU" sz="2000" b="1" kern="1200" dirty="0" err="1">
+                          <a:solidFill>
+                            <a:schemeClr val="accent4">
+                              <a:lumMod val="50000"/>
+                            </a:schemeClr>
+                          </a:solidFill>
+                          <a:latin typeface="+mn-lt"/>
+                          <a:ea typeface="+mn-ea"/>
+                          <a:cs typeface="+mn-cs"/>
+                        </a:rPr>
+                        <a:t>Instruction</a:t>
+                      </a:r>
+                      <a:endParaRPr lang="hu-HU" sz="2000" b="1" kern="1200" dirty="0">
+                        <a:solidFill>
+                          <a:schemeClr val="accent4">
+                            <a:lumMod val="50000"/>
+                          </a:schemeClr>
+                        </a:solidFill>
+                        <a:latin typeface="+mn-lt"/>
+                        <a:ea typeface="+mn-ea"/>
+                        <a:cs typeface="+mn-cs"/>
+                      </a:endParaRPr>
+                    </a:p>
+                    <a:p>
+                      <a:r>
+                        <a:rPr lang="hu-HU" sz="2000" b="1" kern="1200" dirty="0" err="1">
+                          <a:solidFill>
+                            <a:schemeClr val="accent4">
+                              <a:lumMod val="50000"/>
+                            </a:schemeClr>
+                          </a:solidFill>
+                          <a:latin typeface="+mn-lt"/>
+                          <a:ea typeface="+mn-ea"/>
+                          <a:cs typeface="+mn-cs"/>
+                        </a:rPr>
+                        <a:t>Type</a:t>
+                      </a:r>
+                      <a:endParaRPr lang="hu-HU" sz="2000" b="1" kern="1200" dirty="0">
+                        <a:solidFill>
+                          <a:schemeClr val="accent4">
+                            <a:lumMod val="50000"/>
+                          </a:schemeClr>
+                        </a:solidFill>
+                        <a:latin typeface="+mn-lt"/>
+                        <a:ea typeface="+mn-ea"/>
+                        <a:cs typeface="+mn-cs"/>
+                      </a:endParaRPr>
+                    </a:p>
+                    <a:p>
+                      <a:r>
+                        <a:rPr lang="hu-HU" sz="2000" b="1" kern="1200" dirty="0" err="1">
+                          <a:solidFill>
+                            <a:schemeClr val="accent4">
+                              <a:lumMod val="50000"/>
+                            </a:schemeClr>
+                          </a:solidFill>
+                          <a:latin typeface="+mn-lt"/>
+                          <a:ea typeface="+mn-ea"/>
+                          <a:cs typeface="+mn-cs"/>
+                        </a:rPr>
+                        <a:t>Importance</a:t>
+                      </a:r>
+                      <a:endParaRPr lang="hu-HU" sz="2000" b="1" kern="1200" dirty="0">
+                        <a:solidFill>
+                          <a:schemeClr val="accent4">
+                            <a:lumMod val="50000"/>
+                          </a:schemeClr>
+                        </a:solidFill>
+                        <a:latin typeface="+mn-lt"/>
+                        <a:ea typeface="+mn-ea"/>
+                        <a:cs typeface="+mn-cs"/>
+                      </a:endParaRPr>
                     </a:p>
                   </a:txBody>
                   <a:tcPr/>
@@ -3759,13 +3859,13 @@
           <p:nvPr>
             <p:extLst>
               <p:ext uri="{D42A27DB-BD31-4B8C-83A1-F6EECF244321}">
-                <p14:modId xmlns:p14="http://schemas.microsoft.com/office/powerpoint/2010/main" val="2539693209"/>
+                <p14:modId xmlns:p14="http://schemas.microsoft.com/office/powerpoint/2010/main" val="779658374"/>
               </p:ext>
             </p:extLst>
           </p:nvPr>
         </p:nvGraphicFramePr>
         <p:xfrm>
-          <a:off x="4514850" y="2915074"/>
+          <a:off x="8191500" y="418822"/>
           <a:ext cx="3162300" cy="2682240"/>
         </p:xfrm>
         <a:graphic>
@@ -3783,7 +3883,7 @@
                   </a:extLst>
                 </a:gridCol>
               </a:tblGrid>
-              <a:tr h="370840">
+              <a:tr h="161714">
                 <a:tc>
                   <a:txBody>
                     <a:bodyPr/>
@@ -3859,33 +3959,7 @@
                           <a:ea typeface="+mn-ea"/>
                           <a:cs typeface="+mn-cs"/>
                         </a:rPr>
-                        <a:t>Assigned</a:t>
-                      </a:r>
-                      <a:r>
-                        <a:rPr lang="hu-HU" sz="2000" b="1" kern="1200" dirty="0">
-                          <a:solidFill>
-                            <a:schemeClr val="accent4">
-                              <a:lumMod val="50000"/>
-                            </a:schemeClr>
-                          </a:solidFill>
-                          <a:latin typeface="+mn-lt"/>
-                          <a:ea typeface="+mn-ea"/>
-                          <a:cs typeface="+mn-cs"/>
-                        </a:rPr>
-                        <a:t> </a:t>
-                      </a:r>
-                      <a:r>
-                        <a:rPr lang="hu-HU" sz="2000" b="1" kern="1200" dirty="0" err="1">
-                          <a:solidFill>
-                            <a:schemeClr val="accent4">
-                              <a:lumMod val="50000"/>
-                            </a:schemeClr>
-                          </a:solidFill>
-                          <a:latin typeface="+mn-lt"/>
-                          <a:ea typeface="+mn-ea"/>
-                          <a:cs typeface="+mn-cs"/>
-                        </a:rPr>
-                        <a:t>To</a:t>
+                        <a:t>AssignedTo</a:t>
                       </a:r>
                       <a:endParaRPr lang="hu-HU" sz="2000" b="1" kern="1200" dirty="0">
                         <a:solidFill>
@@ -3910,33 +3984,7 @@
                           <a:ea typeface="+mn-ea"/>
                           <a:cs typeface="+mn-cs"/>
                         </a:rPr>
-                        <a:t>Denied</a:t>
-                      </a:r>
-                      <a:r>
-                        <a:rPr lang="hu-HU" sz="2000" b="1" kern="1200" dirty="0">
-                          <a:solidFill>
-                            <a:schemeClr val="accent4">
-                              <a:lumMod val="50000"/>
-                            </a:schemeClr>
-                          </a:solidFill>
-                          <a:latin typeface="+mn-lt"/>
-                          <a:ea typeface="+mn-ea"/>
-                          <a:cs typeface="+mn-cs"/>
-                        </a:rPr>
-                        <a:t> </a:t>
-                      </a:r>
-                      <a:r>
-                        <a:rPr lang="hu-HU" sz="2000" b="1" kern="1200" dirty="0" err="1">
-                          <a:solidFill>
-                            <a:schemeClr val="accent4">
-                              <a:lumMod val="50000"/>
-                            </a:schemeClr>
-                          </a:solidFill>
-                          <a:latin typeface="+mn-lt"/>
-                          <a:ea typeface="+mn-ea"/>
-                          <a:cs typeface="+mn-cs"/>
-                        </a:rPr>
-                        <a:t>By</a:t>
+                        <a:t>DeniedBy</a:t>
                       </a:r>
                       <a:endParaRPr lang="hu-HU" sz="2000" b="1" kern="1200" dirty="0">
                         <a:solidFill>
@@ -3961,33 +4009,7 @@
                           <a:ea typeface="+mn-ea"/>
                           <a:cs typeface="+mn-cs"/>
                         </a:rPr>
-                        <a:t>Approved</a:t>
-                      </a:r>
-                      <a:r>
-                        <a:rPr lang="hu-HU" sz="2000" b="1" kern="1200" dirty="0">
-                          <a:solidFill>
-                            <a:schemeClr val="accent4">
-                              <a:lumMod val="50000"/>
-                            </a:schemeClr>
-                          </a:solidFill>
-                          <a:latin typeface="+mn-lt"/>
-                          <a:ea typeface="+mn-ea"/>
-                          <a:cs typeface="+mn-cs"/>
-                        </a:rPr>
-                        <a:t> </a:t>
-                      </a:r>
-                      <a:r>
-                        <a:rPr lang="hu-HU" sz="2000" b="1" kern="1200" dirty="0" err="1">
-                          <a:solidFill>
-                            <a:schemeClr val="accent4">
-                              <a:lumMod val="50000"/>
-                            </a:schemeClr>
-                          </a:solidFill>
-                          <a:latin typeface="+mn-lt"/>
-                          <a:ea typeface="+mn-ea"/>
-                          <a:cs typeface="+mn-cs"/>
-                        </a:rPr>
-                        <a:t>By</a:t>
+                        <a:t>ApprovedBy</a:t>
                       </a:r>
                       <a:endParaRPr lang="hu-HU" sz="2000" b="1" kern="1200" dirty="0">
                         <a:solidFill>
@@ -4070,23 +4092,592 @@
       </p:graphicFrame>
       <p:cxnSp>
         <p:nvCxnSpPr>
-          <p:cNvPr id="19" name="Egyenes összekötő 18">
-            <a:extLst>
-              <a:ext uri="{FF2B5EF4-FFF2-40B4-BE49-F238E27FC236}">
-                <a16:creationId xmlns:a16="http://schemas.microsoft.com/office/drawing/2014/main" id="{94FAFB55-7A79-4A75-B6AA-80318C6AEC4C}"/>
+          <p:cNvPr id="26" name="Egyenes összekötő 25">
+            <a:extLst>
+              <a:ext uri="{FF2B5EF4-FFF2-40B4-BE49-F238E27FC236}">
+                <a16:creationId xmlns:a16="http://schemas.microsoft.com/office/drawing/2014/main" id="{87BD4A93-8677-4E52-BE20-62F632281C92}"/>
               </a:ext>
             </a:extLst>
           </p:cNvPr>
           <p:cNvCxnSpPr>
             <a:cxnSpLocks/>
-            <a:endCxn id="16" idx="1"/>
           </p:cNvCxnSpPr>
           <p:nvPr/>
         </p:nvCxnSpPr>
         <p:spPr>
-          <a:xfrm flipV="1">
-            <a:off x="7677150" y="2793154"/>
-            <a:ext cx="1200150" cy="1969346"/>
+          <a:xfrm flipH="1" flipV="1">
+            <a:off x="7162801" y="1033351"/>
+            <a:ext cx="1028699" cy="338249"/>
+          </a:xfrm>
+          <a:prstGeom prst="line">
+            <a:avLst/>
+          </a:prstGeom>
+          <a:ln w="38100"/>
+        </p:spPr>
+        <p:style>
+          <a:lnRef idx="3">
+            <a:schemeClr val="accent4"/>
+          </a:lnRef>
+          <a:fillRef idx="0">
+            <a:schemeClr val="accent4"/>
+          </a:fillRef>
+          <a:effectRef idx="2">
+            <a:schemeClr val="accent4"/>
+          </a:effectRef>
+          <a:fontRef idx="minor">
+            <a:schemeClr val="tx1"/>
+          </a:fontRef>
+        </p:style>
+      </p:cxnSp>
+      <p:sp>
+        <p:nvSpPr>
+          <p:cNvPr id="30" name="Téglalap 29">
+            <a:extLst>
+              <a:ext uri="{FF2B5EF4-FFF2-40B4-BE49-F238E27FC236}">
+                <a16:creationId xmlns:a16="http://schemas.microsoft.com/office/drawing/2014/main" id="{2819E529-E3B6-448D-8A74-7F3AE01BD5D2}"/>
+              </a:ext>
+            </a:extLst>
+          </p:cNvPr>
+          <p:cNvSpPr/>
+          <p:nvPr/>
+        </p:nvSpPr>
+        <p:spPr>
+          <a:xfrm>
+            <a:off x="152402" y="1131994"/>
+            <a:ext cx="3433952" cy="830997"/>
+          </a:xfrm>
+          <a:prstGeom prst="rect">
+            <a:avLst/>
+          </a:prstGeom>
+          <a:noFill/>
+        </p:spPr>
+        <p:txBody>
+          <a:bodyPr wrap="none" lIns="91440" tIns="45720" rIns="91440" bIns="45720">
+            <a:spAutoFit/>
+            <a:scene3d>
+              <a:camera prst="orthographicFront"/>
+              <a:lightRig rig="soft" dir="t">
+                <a:rot lat="0" lon="0" rev="15600000"/>
+              </a:lightRig>
+            </a:scene3d>
+            <a:sp3d extrusionH="57150" prstMaterial="softEdge">
+              <a:bevelT w="25400" h="38100"/>
+            </a:sp3d>
+          </a:bodyPr>
+          <a:lstStyle/>
+          <a:p>
+            <a:pPr algn="ctr"/>
+            <a:r>
+              <a:rPr lang="hu-HU" sz="4800" b="1" cap="none" spc="0" dirty="0">
+                <a:ln/>
+                <a:solidFill>
+                  <a:schemeClr val="accent4"/>
+                </a:solidFill>
+                <a:effectLst>
+                  <a:outerShdw blurRad="38100" dist="38100" dir="2700000" algn="tl">
+                    <a:srgbClr val="000000">
+                      <a:alpha val="43137"/>
+                    </a:srgbClr>
+                  </a:outerShdw>
+                </a:effectLst>
+                <a:latin typeface="Berlin Sans FB Demi" panose="020E0802020502020306" pitchFamily="34" charset="0"/>
+              </a:rPr>
+              <a:t>Adatmodell</a:t>
+            </a:r>
+          </a:p>
+        </p:txBody>
+      </p:sp>
+      <p:graphicFrame>
+        <p:nvGraphicFramePr>
+          <p:cNvPr id="10" name="Táblázat 13">
+            <a:extLst>
+              <a:ext uri="{FF2B5EF4-FFF2-40B4-BE49-F238E27FC236}">
+                <a16:creationId xmlns:a16="http://schemas.microsoft.com/office/drawing/2014/main" id="{4CE1EFB8-A844-4075-86F5-5C07C18B57E3}"/>
+              </a:ext>
+            </a:extLst>
+          </p:cNvPr>
+          <p:cNvGraphicFramePr>
+            <a:graphicFrameLocks noGrp="1"/>
+          </p:cNvGraphicFramePr>
+          <p:nvPr>
+            <p:extLst>
+              <p:ext uri="{D42A27DB-BD31-4B8C-83A1-F6EECF244321}">
+                <p14:modId xmlns:p14="http://schemas.microsoft.com/office/powerpoint/2010/main" val="19295402"/>
+              </p:ext>
+            </p:extLst>
+          </p:nvPr>
+        </p:nvGraphicFramePr>
+        <p:xfrm>
+          <a:off x="4495799" y="4061739"/>
+          <a:ext cx="3162300" cy="2072640"/>
+        </p:xfrm>
+        <a:graphic>
+          <a:graphicData uri="http://schemas.openxmlformats.org/drawingml/2006/table">
+            <a:tbl>
+              <a:tblPr firstRow="1" bandRow="1">
+                <a:tableStyleId>{00A15C55-8517-42AA-B614-E9B94910E393}</a:tableStyleId>
+              </a:tblPr>
+              <a:tblGrid>
+                <a:gridCol w="3162300">
+                  <a:extLst>
+                    <a:ext uri="{9D8B030D-6E8A-4147-A177-3AD203B41FA5}">
+                      <a16:colId xmlns:a16="http://schemas.microsoft.com/office/drawing/2014/main" val="338360326"/>
+                    </a:ext>
+                  </a:extLst>
+                </a:gridCol>
+              </a:tblGrid>
+              <a:tr h="370840">
+                <a:tc>
+                  <a:txBody>
+                    <a:bodyPr/>
+                    <a:lstStyle/>
+                    <a:p>
+                      <a:pPr algn="ctr"/>
+                      <a:r>
+                        <a:rPr lang="hu-HU" sz="2400" b="1" dirty="0" err="1">
+                          <a:solidFill>
+                            <a:schemeClr val="accent1">
+                              <a:lumMod val="50000"/>
+                            </a:schemeClr>
+                          </a:solidFill>
+                        </a:rPr>
+                        <a:t>Device</a:t>
+                      </a:r>
+                      <a:endParaRPr lang="hu-HU" sz="2400" b="1" dirty="0">
+                        <a:solidFill>
+                          <a:schemeClr val="accent1">
+                            <a:lumMod val="50000"/>
+                          </a:schemeClr>
+                        </a:solidFill>
+                      </a:endParaRPr>
+                    </a:p>
+                  </a:txBody>
+                  <a:tcPr/>
+                </a:tc>
+                <a:extLst>
+                  <a:ext uri="{0D108BD9-81ED-4DB2-BD59-A6C34878D82A}">
+                    <a16:rowId xmlns:a16="http://schemas.microsoft.com/office/drawing/2014/main" val="3201719675"/>
+                  </a:ext>
+                </a:extLst>
+              </a:tr>
+              <a:tr h="370840">
+                <a:tc>
+                  <a:txBody>
+                    <a:bodyPr/>
+                    <a:lstStyle/>
+                    <a:p>
+                      <a:pPr marL="0" marR="0" lvl="0" indent="0" algn="l" defTabSz="914400" rtl="0" eaLnBrk="1" fontAlgn="auto" latinLnBrk="0" hangingPunct="1">
+                        <a:lnSpc>
+                          <a:spcPct val="100000"/>
+                        </a:lnSpc>
+                        <a:spcBef>
+                          <a:spcPts val="0"/>
+                        </a:spcBef>
+                        <a:spcAft>
+                          <a:spcPts val="0"/>
+                        </a:spcAft>
+                        <a:buClrTx/>
+                        <a:buSzTx/>
+                        <a:buFontTx/>
+                        <a:buNone/>
+                        <a:tabLst/>
+                        <a:defRPr/>
+                      </a:pPr>
+                      <a:r>
+                        <a:rPr lang="hu-HU" sz="2000" b="1" kern="1200" dirty="0">
+                          <a:solidFill>
+                            <a:schemeClr val="accent4">
+                              <a:lumMod val="50000"/>
+                            </a:schemeClr>
+                          </a:solidFill>
+                          <a:latin typeface="+mn-lt"/>
+                          <a:ea typeface="+mn-ea"/>
+                          <a:cs typeface="+mn-cs"/>
+                        </a:rPr>
+                        <a:t>ID</a:t>
+                      </a:r>
+                    </a:p>
+                    <a:p>
+                      <a:r>
+                        <a:rPr lang="hu-HU" sz="2000" b="1" kern="1200" dirty="0" err="1">
+                          <a:solidFill>
+                            <a:schemeClr val="accent4">
+                              <a:lumMod val="50000"/>
+                            </a:schemeClr>
+                          </a:solidFill>
+                          <a:latin typeface="+mn-lt"/>
+                          <a:ea typeface="+mn-ea"/>
+                          <a:cs typeface="+mn-cs"/>
+                        </a:rPr>
+                        <a:t>Name</a:t>
+                      </a:r>
+                      <a:endParaRPr lang="hu-HU" sz="2000" b="1" kern="1200" dirty="0">
+                        <a:solidFill>
+                          <a:schemeClr val="accent4">
+                            <a:lumMod val="50000"/>
+                          </a:schemeClr>
+                        </a:solidFill>
+                        <a:latin typeface="+mn-lt"/>
+                        <a:ea typeface="+mn-ea"/>
+                        <a:cs typeface="+mn-cs"/>
+                      </a:endParaRPr>
+                    </a:p>
+                    <a:p>
+                      <a:r>
+                        <a:rPr lang="hu-HU" sz="2000" b="1" kern="1200" dirty="0" err="1">
+                          <a:solidFill>
+                            <a:schemeClr val="accent4">
+                              <a:lumMod val="50000"/>
+                            </a:schemeClr>
+                          </a:solidFill>
+                          <a:latin typeface="+mn-lt"/>
+                          <a:ea typeface="+mn-ea"/>
+                          <a:cs typeface="+mn-cs"/>
+                        </a:rPr>
+                        <a:t>Category</a:t>
+                      </a:r>
+                      <a:endParaRPr lang="hu-HU" sz="2000" b="1" kern="1200" dirty="0">
+                        <a:solidFill>
+                          <a:schemeClr val="accent4">
+                            <a:lumMod val="50000"/>
+                          </a:schemeClr>
+                        </a:solidFill>
+                        <a:latin typeface="+mn-lt"/>
+                        <a:ea typeface="+mn-ea"/>
+                        <a:cs typeface="+mn-cs"/>
+                      </a:endParaRPr>
+                    </a:p>
+                    <a:p>
+                      <a:r>
+                        <a:rPr lang="hu-HU" sz="2000" b="1" kern="1200" dirty="0" err="1">
+                          <a:solidFill>
+                            <a:schemeClr val="accent4">
+                              <a:lumMod val="50000"/>
+                            </a:schemeClr>
+                          </a:solidFill>
+                          <a:latin typeface="+mn-lt"/>
+                          <a:ea typeface="+mn-ea"/>
+                          <a:cs typeface="+mn-cs"/>
+                        </a:rPr>
+                        <a:t>Description</a:t>
+                      </a:r>
+                      <a:endParaRPr lang="hu-HU" sz="2000" b="1" kern="1200" dirty="0">
+                        <a:solidFill>
+                          <a:schemeClr val="accent4">
+                            <a:lumMod val="50000"/>
+                          </a:schemeClr>
+                        </a:solidFill>
+                        <a:latin typeface="+mn-lt"/>
+                        <a:ea typeface="+mn-ea"/>
+                        <a:cs typeface="+mn-cs"/>
+                      </a:endParaRPr>
+                    </a:p>
+                    <a:p>
+                      <a:r>
+                        <a:rPr lang="hu-HU" sz="2000" b="1" kern="1200" dirty="0" err="1">
+                          <a:solidFill>
+                            <a:schemeClr val="accent4">
+                              <a:lumMod val="50000"/>
+                            </a:schemeClr>
+                          </a:solidFill>
+                          <a:latin typeface="+mn-lt"/>
+                          <a:ea typeface="+mn-ea"/>
+                          <a:cs typeface="+mn-cs"/>
+                        </a:rPr>
+                        <a:t>Location</a:t>
+                      </a:r>
+                      <a:endParaRPr lang="hu-HU" sz="2000" b="1" kern="1200" dirty="0">
+                        <a:solidFill>
+                          <a:schemeClr val="accent4">
+                            <a:lumMod val="50000"/>
+                          </a:schemeClr>
+                        </a:solidFill>
+                        <a:latin typeface="+mn-lt"/>
+                        <a:ea typeface="+mn-ea"/>
+                        <a:cs typeface="+mn-cs"/>
+                      </a:endParaRPr>
+                    </a:p>
+                  </a:txBody>
+                  <a:tcPr/>
+                </a:tc>
+                <a:extLst>
+                  <a:ext uri="{0D108BD9-81ED-4DB2-BD59-A6C34878D82A}">
+                    <a16:rowId xmlns:a16="http://schemas.microsoft.com/office/drawing/2014/main" val="1802266286"/>
+                  </a:ext>
+                </a:extLst>
+              </a:tr>
+            </a:tbl>
+          </a:graphicData>
+        </a:graphic>
+      </p:graphicFrame>
+      <p:graphicFrame>
+        <p:nvGraphicFramePr>
+          <p:cNvPr id="11" name="Táblázat 13">
+            <a:extLst>
+              <a:ext uri="{FF2B5EF4-FFF2-40B4-BE49-F238E27FC236}">
+                <a16:creationId xmlns:a16="http://schemas.microsoft.com/office/drawing/2014/main" id="{D67D89DA-6B1E-45B3-8634-5BF25EDA22A2}"/>
+              </a:ext>
+            </a:extLst>
+          </p:cNvPr>
+          <p:cNvGraphicFramePr>
+            <a:graphicFrameLocks noGrp="1"/>
+          </p:cNvGraphicFramePr>
+          <p:nvPr>
+            <p:extLst>
+              <p:ext uri="{D42A27DB-BD31-4B8C-83A1-F6EECF244321}">
+                <p14:modId xmlns:p14="http://schemas.microsoft.com/office/powerpoint/2010/main" val="1378176725"/>
+              </p:ext>
+            </p:extLst>
+          </p:nvPr>
+        </p:nvGraphicFramePr>
+        <p:xfrm>
+          <a:off x="8477250" y="3688783"/>
+          <a:ext cx="3162300" cy="2682240"/>
+        </p:xfrm>
+        <a:graphic>
+          <a:graphicData uri="http://schemas.openxmlformats.org/drawingml/2006/table">
+            <a:tbl>
+              <a:tblPr firstRow="1" bandRow="1">
+                <a:tableStyleId>{00A15C55-8517-42AA-B614-E9B94910E393}</a:tableStyleId>
+              </a:tblPr>
+              <a:tblGrid>
+                <a:gridCol w="3162300">
+                  <a:extLst>
+                    <a:ext uri="{9D8B030D-6E8A-4147-A177-3AD203B41FA5}">
+                      <a16:colId xmlns:a16="http://schemas.microsoft.com/office/drawing/2014/main" val="338360326"/>
+                    </a:ext>
+                  </a:extLst>
+                </a:gridCol>
+              </a:tblGrid>
+              <a:tr h="370840">
+                <a:tc>
+                  <a:txBody>
+                    <a:bodyPr/>
+                    <a:lstStyle/>
+                    <a:p>
+                      <a:pPr algn="ctr"/>
+                      <a:r>
+                        <a:rPr lang="hu-HU" sz="2400" b="1" dirty="0" err="1">
+                          <a:solidFill>
+                            <a:schemeClr val="accent1">
+                              <a:lumMod val="50000"/>
+                            </a:schemeClr>
+                          </a:solidFill>
+                        </a:rPr>
+                        <a:t>Category</a:t>
+                      </a:r>
+                      <a:endParaRPr lang="hu-HU" sz="2400" b="1" dirty="0">
+                        <a:solidFill>
+                          <a:schemeClr val="accent1">
+                            <a:lumMod val="50000"/>
+                          </a:schemeClr>
+                        </a:solidFill>
+                      </a:endParaRPr>
+                    </a:p>
+                  </a:txBody>
+                  <a:tcPr/>
+                </a:tc>
+                <a:extLst>
+                  <a:ext uri="{0D108BD9-81ED-4DB2-BD59-A6C34878D82A}">
+                    <a16:rowId xmlns:a16="http://schemas.microsoft.com/office/drawing/2014/main" val="3201719675"/>
+                  </a:ext>
+                </a:extLst>
+              </a:tr>
+              <a:tr h="370840">
+                <a:tc>
+                  <a:txBody>
+                    <a:bodyPr/>
+                    <a:lstStyle/>
+                    <a:p>
+                      <a:pPr marL="0" marR="0" lvl="0" indent="0" algn="l" defTabSz="914400" rtl="0" eaLnBrk="1" fontAlgn="auto" latinLnBrk="0" hangingPunct="1">
+                        <a:lnSpc>
+                          <a:spcPct val="100000"/>
+                        </a:lnSpc>
+                        <a:spcBef>
+                          <a:spcPts val="0"/>
+                        </a:spcBef>
+                        <a:spcAft>
+                          <a:spcPts val="0"/>
+                        </a:spcAft>
+                        <a:buClrTx/>
+                        <a:buSzTx/>
+                        <a:buFontTx/>
+                        <a:buNone/>
+                        <a:tabLst/>
+                        <a:defRPr/>
+                      </a:pPr>
+                      <a:r>
+                        <a:rPr lang="hu-HU" sz="2000" b="1" kern="1200" dirty="0">
+                          <a:solidFill>
+                            <a:schemeClr val="accent4">
+                              <a:lumMod val="50000"/>
+                            </a:schemeClr>
+                          </a:solidFill>
+                          <a:latin typeface="+mn-lt"/>
+                          <a:ea typeface="+mn-ea"/>
+                          <a:cs typeface="+mn-cs"/>
+                        </a:rPr>
+                        <a:t>ID</a:t>
+                      </a:r>
+                    </a:p>
+                    <a:p>
+                      <a:r>
+                        <a:rPr lang="hu-HU" sz="2000" b="1" kern="1200" dirty="0" err="1">
+                          <a:solidFill>
+                            <a:schemeClr val="accent4">
+                              <a:lumMod val="50000"/>
+                            </a:schemeClr>
+                          </a:solidFill>
+                          <a:latin typeface="+mn-lt"/>
+                          <a:ea typeface="+mn-ea"/>
+                          <a:cs typeface="+mn-cs"/>
+                        </a:rPr>
+                        <a:t>Name</a:t>
+                      </a:r>
+                      <a:endParaRPr lang="hu-HU" sz="2000" b="1" kern="1200" dirty="0">
+                        <a:solidFill>
+                          <a:schemeClr val="accent4">
+                            <a:lumMod val="50000"/>
+                          </a:schemeClr>
+                        </a:solidFill>
+                        <a:latin typeface="+mn-lt"/>
+                        <a:ea typeface="+mn-ea"/>
+                        <a:cs typeface="+mn-cs"/>
+                      </a:endParaRPr>
+                    </a:p>
+                    <a:p>
+                      <a:r>
+                        <a:rPr lang="hu-HU" sz="2000" b="1" kern="1200" dirty="0" err="1">
+                          <a:solidFill>
+                            <a:schemeClr val="accent4">
+                              <a:lumMod val="50000"/>
+                            </a:schemeClr>
+                          </a:solidFill>
+                          <a:latin typeface="+mn-lt"/>
+                          <a:ea typeface="+mn-ea"/>
+                          <a:cs typeface="+mn-cs"/>
+                        </a:rPr>
+                        <a:t>ParentID</a:t>
+                      </a:r>
+                      <a:endParaRPr lang="hu-HU" sz="2000" b="1" kern="1200" dirty="0">
+                        <a:solidFill>
+                          <a:schemeClr val="accent4">
+                            <a:lumMod val="50000"/>
+                          </a:schemeClr>
+                        </a:solidFill>
+                        <a:latin typeface="+mn-lt"/>
+                        <a:ea typeface="+mn-ea"/>
+                        <a:cs typeface="+mn-cs"/>
+                      </a:endParaRPr>
+                    </a:p>
+                    <a:p>
+                      <a:r>
+                        <a:rPr lang="hu-HU" sz="2000" b="1" kern="1200" dirty="0" err="1">
+                          <a:solidFill>
+                            <a:schemeClr val="accent4">
+                              <a:lumMod val="50000"/>
+                            </a:schemeClr>
+                          </a:solidFill>
+                          <a:latin typeface="+mn-lt"/>
+                          <a:ea typeface="+mn-ea"/>
+                          <a:cs typeface="+mn-cs"/>
+                        </a:rPr>
+                        <a:t>Interval</a:t>
+                      </a:r>
+                      <a:endParaRPr lang="hu-HU" sz="2000" b="1" kern="1200" dirty="0">
+                        <a:solidFill>
+                          <a:schemeClr val="accent4">
+                            <a:lumMod val="50000"/>
+                          </a:schemeClr>
+                        </a:solidFill>
+                        <a:latin typeface="+mn-lt"/>
+                        <a:ea typeface="+mn-ea"/>
+                        <a:cs typeface="+mn-cs"/>
+                      </a:endParaRPr>
+                    </a:p>
+                    <a:p>
+                      <a:r>
+                        <a:rPr lang="hu-HU" sz="2000" b="1" kern="1200" dirty="0" err="1">
+                          <a:solidFill>
+                            <a:schemeClr val="accent4">
+                              <a:lumMod val="50000"/>
+                            </a:schemeClr>
+                          </a:solidFill>
+                          <a:latin typeface="+mn-lt"/>
+                          <a:ea typeface="+mn-ea"/>
+                          <a:cs typeface="+mn-cs"/>
+                        </a:rPr>
+                        <a:t>Specification</a:t>
+                      </a:r>
+                      <a:endParaRPr lang="hu-HU" sz="2000" b="1" kern="1200" dirty="0">
+                        <a:solidFill>
+                          <a:schemeClr val="accent4">
+                            <a:lumMod val="50000"/>
+                          </a:schemeClr>
+                        </a:solidFill>
+                        <a:latin typeface="+mn-lt"/>
+                        <a:ea typeface="+mn-ea"/>
+                        <a:cs typeface="+mn-cs"/>
+                      </a:endParaRPr>
+                    </a:p>
+                    <a:p>
+                      <a:r>
+                        <a:rPr lang="hu-HU" sz="2000" b="1" kern="1200" dirty="0">
+                          <a:solidFill>
+                            <a:schemeClr val="accent4">
+                              <a:lumMod val="50000"/>
+                            </a:schemeClr>
+                          </a:solidFill>
+                          <a:latin typeface="+mn-lt"/>
+                          <a:ea typeface="+mn-ea"/>
+                          <a:cs typeface="+mn-cs"/>
+                        </a:rPr>
+                        <a:t>StandardTime</a:t>
+                      </a:r>
+                    </a:p>
+                    <a:p>
+                      <a:endParaRPr lang="hu-HU" sz="2000" b="1" kern="1200" dirty="0">
+                        <a:solidFill>
+                          <a:schemeClr val="accent4">
+                            <a:lumMod val="50000"/>
+                          </a:schemeClr>
+                        </a:solidFill>
+                        <a:latin typeface="+mn-lt"/>
+                        <a:ea typeface="+mn-ea"/>
+                        <a:cs typeface="+mn-cs"/>
+                      </a:endParaRPr>
+                    </a:p>
+                  </a:txBody>
+                  <a:tcPr/>
+                </a:tc>
+                <a:extLst>
+                  <a:ext uri="{0D108BD9-81ED-4DB2-BD59-A6C34878D82A}">
+                    <a16:rowId xmlns:a16="http://schemas.microsoft.com/office/drawing/2014/main" val="1802266286"/>
+                  </a:ext>
+                </a:extLst>
+              </a:tr>
+            </a:tbl>
+          </a:graphicData>
+        </a:graphic>
+      </p:graphicFrame>
+      <p:cxnSp>
+        <p:nvCxnSpPr>
+          <p:cNvPr id="14" name="Egyenes összekötő 13">
+            <a:extLst>
+              <a:ext uri="{FF2B5EF4-FFF2-40B4-BE49-F238E27FC236}">
+                <a16:creationId xmlns:a16="http://schemas.microsoft.com/office/drawing/2014/main" id="{D2AA1B73-F99D-4E52-B68D-C68877921EB0}"/>
+              </a:ext>
+            </a:extLst>
+          </p:cNvPr>
+          <p:cNvCxnSpPr>
+            <a:cxnSpLocks/>
+          </p:cNvCxnSpPr>
+          <p:nvPr/>
+        </p:nvCxnSpPr>
+        <p:spPr>
+          <a:xfrm flipH="1" flipV="1">
+            <a:off x="7162800" y="1033351"/>
+            <a:ext cx="1028700" cy="514141"/>
           </a:xfrm>
           <a:prstGeom prst="line">
             <a:avLst/>
@@ -4110,10 +4701,10 @@
       </p:cxnSp>
       <p:cxnSp>
         <p:nvCxnSpPr>
-          <p:cNvPr id="22" name="Egyenes összekötő 21">
-            <a:extLst>
-              <a:ext uri="{FF2B5EF4-FFF2-40B4-BE49-F238E27FC236}">
-                <a16:creationId xmlns:a16="http://schemas.microsoft.com/office/drawing/2014/main" id="{45109A83-0EFB-4179-AE13-FD19625BFC97}"/>
+          <p:cNvPr id="15" name="Egyenes összekötő 14">
+            <a:extLst>
+              <a:ext uri="{FF2B5EF4-FFF2-40B4-BE49-F238E27FC236}">
+                <a16:creationId xmlns:a16="http://schemas.microsoft.com/office/drawing/2014/main" id="{3141553B-66A5-4625-A31B-B2E81C246CE1}"/>
               </a:ext>
             </a:extLst>
           </p:cNvPr>
@@ -4124,8 +4715,8 @@
         </p:nvCxnSpPr>
         <p:spPr>
           <a:xfrm flipH="1" flipV="1">
-            <a:off x="3314700" y="2692400"/>
-            <a:ext cx="1200150" cy="1257300"/>
+            <a:off x="7162799" y="1033351"/>
+            <a:ext cx="990601" cy="872212"/>
           </a:xfrm>
           <a:prstGeom prst="line">
             <a:avLst/>
@@ -4149,23 +4740,22 @@
       </p:cxnSp>
       <p:cxnSp>
         <p:nvCxnSpPr>
-          <p:cNvPr id="26" name="Egyenes összekötő 25">
-            <a:extLst>
-              <a:ext uri="{FF2B5EF4-FFF2-40B4-BE49-F238E27FC236}">
-                <a16:creationId xmlns:a16="http://schemas.microsoft.com/office/drawing/2014/main" id="{87BD4A93-8677-4E52-BE20-62F632281C92}"/>
+          <p:cNvPr id="20" name="Egyenes összekötő 19">
+            <a:extLst>
+              <a:ext uri="{FF2B5EF4-FFF2-40B4-BE49-F238E27FC236}">
+                <a16:creationId xmlns:a16="http://schemas.microsoft.com/office/drawing/2014/main" id="{1E0C0615-5663-4559-8C3B-81302621170C}"/>
               </a:ext>
             </a:extLst>
           </p:cNvPr>
           <p:cNvCxnSpPr>
             <a:cxnSpLocks/>
-            <a:stCxn id="17" idx="1"/>
           </p:cNvCxnSpPr>
           <p:nvPr/>
         </p:nvCxnSpPr>
         <p:spPr>
-          <a:xfrm flipH="1" flipV="1">
-            <a:off x="3314700" y="2692400"/>
-            <a:ext cx="1200150" cy="1563794"/>
+          <a:xfrm flipH="1">
+            <a:off x="3162300" y="2231391"/>
+            <a:ext cx="5029200" cy="2024803"/>
           </a:xfrm>
           <a:prstGeom prst="line">
             <a:avLst/>
@@ -4189,10 +4779,10 @@
       </p:cxnSp>
       <p:cxnSp>
         <p:nvCxnSpPr>
-          <p:cNvPr id="28" name="Egyenes összekötő 27">
-            <a:extLst>
-              <a:ext uri="{FF2B5EF4-FFF2-40B4-BE49-F238E27FC236}">
-                <a16:creationId xmlns:a16="http://schemas.microsoft.com/office/drawing/2014/main" id="{D0482E45-9A39-43CD-80CA-3749DED33518}"/>
+          <p:cNvPr id="29" name="Egyenes összekötő 28">
+            <a:extLst>
+              <a:ext uri="{FF2B5EF4-FFF2-40B4-BE49-F238E27FC236}">
+                <a16:creationId xmlns:a16="http://schemas.microsoft.com/office/drawing/2014/main" id="{1EEE182A-0765-4B36-ACAE-C26E56BE6022}"/>
               </a:ext>
             </a:extLst>
           </p:cNvPr>
@@ -4202,9 +4792,9 @@
           <p:nvPr/>
         </p:nvCxnSpPr>
         <p:spPr>
-          <a:xfrm flipH="1" flipV="1">
-            <a:off x="3314700" y="2706371"/>
-            <a:ext cx="1200150" cy="1854623"/>
+          <a:xfrm flipH="1">
+            <a:off x="3162300" y="4691961"/>
+            <a:ext cx="1316927" cy="0"/>
           </a:xfrm>
           <a:prstGeom prst="line">
             <a:avLst/>
@@ -4226,64 +4816,45 @@
           </a:fontRef>
         </p:style>
       </p:cxnSp>
-      <p:sp>
-        <p:nvSpPr>
-          <p:cNvPr id="30" name="Téglalap 29">
-            <a:extLst>
-              <a:ext uri="{FF2B5EF4-FFF2-40B4-BE49-F238E27FC236}">
-                <a16:creationId xmlns:a16="http://schemas.microsoft.com/office/drawing/2014/main" id="{2819E529-E3B6-448D-8A74-7F3AE01BD5D2}"/>
-              </a:ext>
-            </a:extLst>
-          </p:cNvPr>
-          <p:cNvSpPr/>
+      <p:cxnSp>
+        <p:nvCxnSpPr>
+          <p:cNvPr id="31" name="Egyenes összekötő 30">
+            <a:extLst>
+              <a:ext uri="{FF2B5EF4-FFF2-40B4-BE49-F238E27FC236}">
+                <a16:creationId xmlns:a16="http://schemas.microsoft.com/office/drawing/2014/main" id="{F5E90D37-8006-460A-9F30-E2C3D2DE3E1E}"/>
+              </a:ext>
+            </a:extLst>
+          </p:cNvPr>
+          <p:cNvCxnSpPr>
+            <a:cxnSpLocks/>
+          </p:cNvCxnSpPr>
           <p:nvPr/>
-        </p:nvSpPr>
+        </p:nvCxnSpPr>
         <p:spPr>
-          <a:xfrm>
-            <a:off x="3771485" y="357584"/>
-            <a:ext cx="4649030" cy="1107996"/>
+          <a:xfrm flipH="1">
+            <a:off x="7505700" y="4280905"/>
+            <a:ext cx="974026" cy="817154"/>
           </a:xfrm>
-          <a:prstGeom prst="rect">
+          <a:prstGeom prst="line">
             <a:avLst/>
           </a:prstGeom>
-          <a:noFill/>
+          <a:ln w="38100"/>
         </p:spPr>
-        <p:txBody>
-          <a:bodyPr wrap="none" lIns="91440" tIns="45720" rIns="91440" bIns="45720">
-            <a:spAutoFit/>
-            <a:scene3d>
-              <a:camera prst="orthographicFront"/>
-              <a:lightRig rig="soft" dir="t">
-                <a:rot lat="0" lon="0" rev="15600000"/>
-              </a:lightRig>
-            </a:scene3d>
-            <a:sp3d extrusionH="57150" prstMaterial="softEdge">
-              <a:bevelT w="25400" h="38100"/>
-            </a:sp3d>
-          </a:bodyPr>
-          <a:lstStyle/>
-          <a:p>
-            <a:pPr algn="ctr"/>
-            <a:r>
-              <a:rPr lang="hu-HU" sz="6600" b="1" cap="none" spc="0" dirty="0">
-                <a:ln/>
-                <a:solidFill>
-                  <a:schemeClr val="accent4"/>
-                </a:solidFill>
-                <a:effectLst>
-                  <a:outerShdw blurRad="38100" dist="38100" dir="2700000" algn="tl">
-                    <a:srgbClr val="000000">
-                      <a:alpha val="43137"/>
-                    </a:srgbClr>
-                  </a:outerShdw>
-                </a:effectLst>
-                <a:latin typeface="Berlin Sans FB Demi" panose="020E0802020502020306" pitchFamily="34" charset="0"/>
-              </a:rPr>
-              <a:t>Adatmodell</a:t>
-            </a:r>
-          </a:p>
-        </p:txBody>
-      </p:sp>
+        <p:style>
+          <a:lnRef idx="3">
+            <a:schemeClr val="accent4"/>
+          </a:lnRef>
+          <a:fillRef idx="0">
+            <a:schemeClr val="accent4"/>
+          </a:fillRef>
+          <a:effectRef idx="2">
+            <a:schemeClr val="accent4"/>
+          </a:effectRef>
+          <a:fontRef idx="minor">
+            <a:schemeClr val="tx1"/>
+          </a:fontRef>
+        </p:style>
+      </p:cxnSp>
     </p:spTree>
     <p:extLst>
       <p:ext uri="{BB962C8B-B14F-4D97-AF65-F5344CB8AC3E}">

--- a/Tervek.pptx
+++ b/Tervek.pptx
@@ -3342,7 +3342,7 @@
           <p:nvPr>
             <p:extLst>
               <p:ext uri="{D42A27DB-BD31-4B8C-83A1-F6EECF244321}">
-                <p14:modId xmlns:p14="http://schemas.microsoft.com/office/powerpoint/2010/main" val="1096397061"/>
+                <p14:modId xmlns:p14="http://schemas.microsoft.com/office/powerpoint/2010/main" val="1067338674"/>
               </p:ext>
             </p:extLst>
           </p:nvPr>
@@ -3487,16 +3487,6 @@
                         </a:rPr>
                         <a:t>Qualification</a:t>
                       </a:r>
-                      <a:endParaRPr lang="hu-HU" sz="2000" b="1" kern="1200" dirty="0">
-                        <a:solidFill>
-                          <a:schemeClr val="accent4">
-                            <a:lumMod val="50000"/>
-                          </a:schemeClr>
-                        </a:solidFill>
-                        <a:latin typeface="+mn-lt"/>
-                        <a:ea typeface="+mn-ea"/>
-                        <a:cs typeface="+mn-cs"/>
-                      </a:endParaRPr>
                     </a:p>
                     <a:p>
                       <a:r>

--- a/Tervek.pptx
+++ b/Tervek.pptx
@@ -260,7 +260,7 @@
           <a:p>
             <a:fld id="{624B17E9-C0BB-46C6-ADAC-505319B93071}" type="datetimeFigureOut">
               <a:rPr lang="hu-HU" smtClean="0"/>
-              <a:t>2022. 03. 21.</a:t>
+              <a:t>2022. 03. 24.</a:t>
             </a:fld>
             <a:endParaRPr lang="hu-HU"/>
           </a:p>
@@ -458,7 +458,7 @@
           <a:p>
             <a:fld id="{624B17E9-C0BB-46C6-ADAC-505319B93071}" type="datetimeFigureOut">
               <a:rPr lang="hu-HU" smtClean="0"/>
-              <a:t>2022. 03. 21.</a:t>
+              <a:t>2022. 03. 24.</a:t>
             </a:fld>
             <a:endParaRPr lang="hu-HU"/>
           </a:p>
@@ -666,7 +666,7 @@
           <a:p>
             <a:fld id="{624B17E9-C0BB-46C6-ADAC-505319B93071}" type="datetimeFigureOut">
               <a:rPr lang="hu-HU" smtClean="0"/>
-              <a:t>2022. 03. 21.</a:t>
+              <a:t>2022. 03. 24.</a:t>
             </a:fld>
             <a:endParaRPr lang="hu-HU"/>
           </a:p>
@@ -864,7 +864,7 @@
           <a:p>
             <a:fld id="{624B17E9-C0BB-46C6-ADAC-505319B93071}" type="datetimeFigureOut">
               <a:rPr lang="hu-HU" smtClean="0"/>
-              <a:t>2022. 03. 21.</a:t>
+              <a:t>2022. 03. 24.</a:t>
             </a:fld>
             <a:endParaRPr lang="hu-HU"/>
           </a:p>
@@ -1139,7 +1139,7 @@
           <a:p>
             <a:fld id="{624B17E9-C0BB-46C6-ADAC-505319B93071}" type="datetimeFigureOut">
               <a:rPr lang="hu-HU" smtClean="0"/>
-              <a:t>2022. 03. 21.</a:t>
+              <a:t>2022. 03. 24.</a:t>
             </a:fld>
             <a:endParaRPr lang="hu-HU"/>
           </a:p>
@@ -1404,7 +1404,7 @@
           <a:p>
             <a:fld id="{624B17E9-C0BB-46C6-ADAC-505319B93071}" type="datetimeFigureOut">
               <a:rPr lang="hu-HU" smtClean="0"/>
-              <a:t>2022. 03. 21.</a:t>
+              <a:t>2022. 03. 24.</a:t>
             </a:fld>
             <a:endParaRPr lang="hu-HU"/>
           </a:p>
@@ -1816,7 +1816,7 @@
           <a:p>
             <a:fld id="{624B17E9-C0BB-46C6-ADAC-505319B93071}" type="datetimeFigureOut">
               <a:rPr lang="hu-HU" smtClean="0"/>
-              <a:t>2022. 03. 21.</a:t>
+              <a:t>2022. 03. 24.</a:t>
             </a:fld>
             <a:endParaRPr lang="hu-HU"/>
           </a:p>
@@ -1957,7 +1957,7 @@
           <a:p>
             <a:fld id="{624B17E9-C0BB-46C6-ADAC-505319B93071}" type="datetimeFigureOut">
               <a:rPr lang="hu-HU" smtClean="0"/>
-              <a:t>2022. 03. 21.</a:t>
+              <a:t>2022. 03. 24.</a:t>
             </a:fld>
             <a:endParaRPr lang="hu-HU"/>
           </a:p>
@@ -2070,7 +2070,7 @@
           <a:p>
             <a:fld id="{624B17E9-C0BB-46C6-ADAC-505319B93071}" type="datetimeFigureOut">
               <a:rPr lang="hu-HU" smtClean="0"/>
-              <a:t>2022. 03. 21.</a:t>
+              <a:t>2022. 03. 24.</a:t>
             </a:fld>
             <a:endParaRPr lang="hu-HU"/>
           </a:p>
@@ -2381,7 +2381,7 @@
           <a:p>
             <a:fld id="{624B17E9-C0BB-46C6-ADAC-505319B93071}" type="datetimeFigureOut">
               <a:rPr lang="hu-HU" smtClean="0"/>
-              <a:t>2022. 03. 21.</a:t>
+              <a:t>2022. 03. 24.</a:t>
             </a:fld>
             <a:endParaRPr lang="hu-HU"/>
           </a:p>
@@ -2669,7 +2669,7 @@
           <a:p>
             <a:fld id="{624B17E9-C0BB-46C6-ADAC-505319B93071}" type="datetimeFigureOut">
               <a:rPr lang="hu-HU" smtClean="0"/>
-              <a:t>2022. 03. 21.</a:t>
+              <a:t>2022. 03. 24.</a:t>
             </a:fld>
             <a:endParaRPr lang="hu-HU"/>
           </a:p>
@@ -2910,7 +2910,7 @@
           <a:p>
             <a:fld id="{624B17E9-C0BB-46C6-ADAC-505319B93071}" type="datetimeFigureOut">
               <a:rPr lang="hu-HU" smtClean="0"/>
-              <a:t>2022. 03. 21.</a:t>
+              <a:t>2022. 03. 24.</a:t>
             </a:fld>
             <a:endParaRPr lang="hu-HU"/>
           </a:p>
@@ -3487,6 +3487,16 @@
                         </a:rPr>
                         <a:t>Qualification</a:t>
                       </a:r>
+                      <a:endParaRPr lang="hu-HU" sz="2000" b="1" kern="1200" dirty="0">
+                        <a:solidFill>
+                          <a:schemeClr val="accent4">
+                            <a:lumMod val="50000"/>
+                          </a:schemeClr>
+                        </a:solidFill>
+                        <a:latin typeface="+mn-lt"/>
+                        <a:ea typeface="+mn-ea"/>
+                        <a:cs typeface="+mn-cs"/>
+                      </a:endParaRPr>
                     </a:p>
                     <a:p>
                       <a:r>
@@ -4415,7 +4425,7 @@
           <p:nvPr>
             <p:extLst>
               <p:ext uri="{D42A27DB-BD31-4B8C-83A1-F6EECF244321}">
-                <p14:modId xmlns:p14="http://schemas.microsoft.com/office/powerpoint/2010/main" val="1378176725"/>
+                <p14:modId xmlns:p14="http://schemas.microsoft.com/office/powerpoint/2010/main" val="1770929600"/>
               </p:ext>
             </p:extLst>
           </p:nvPr>
@@ -4626,6 +4636,36 @@
                       </a:r>
                     </a:p>
                     <a:p>
+                      <a:pPr marL="0" marR="0" lvl="0" indent="0" algn="l" defTabSz="914400" rtl="0" eaLnBrk="1" fontAlgn="auto" latinLnBrk="0" hangingPunct="1">
+                        <a:lnSpc>
+                          <a:spcPct val="100000"/>
+                        </a:lnSpc>
+                        <a:spcBef>
+                          <a:spcPts val="0"/>
+                        </a:spcBef>
+                        <a:spcAft>
+                          <a:spcPts val="0"/>
+                        </a:spcAft>
+                        <a:buClrTx/>
+                        <a:buSzTx/>
+                        <a:buFontTx/>
+                        <a:buNone/>
+                        <a:tabLst/>
+                        <a:defRPr/>
+                      </a:pPr>
+                      <a:r>
+                        <a:rPr lang="hu-HU" sz="2000" b="1" kern="1200" dirty="0" err="1">
+                          <a:solidFill>
+                            <a:schemeClr val="accent4">
+                              <a:lumMod val="50000"/>
+                            </a:schemeClr>
+                          </a:solidFill>
+                          <a:latin typeface="+mn-lt"/>
+                          <a:ea typeface="+mn-ea"/>
+                          <a:cs typeface="+mn-cs"/>
+                        </a:rPr>
+                        <a:t>RequiredQualification</a:t>
+                      </a:r>
                       <a:endParaRPr lang="hu-HU" sz="2000" b="1" kern="1200" dirty="0">
                         <a:solidFill>
                           <a:schemeClr val="accent4">

--- a/Tervek.pptx
+++ b/Tervek.pptx
@@ -260,7 +260,7 @@
           <a:p>
             <a:fld id="{624B17E9-C0BB-46C6-ADAC-505319B93071}" type="datetimeFigureOut">
               <a:rPr lang="hu-HU" smtClean="0"/>
-              <a:t>2022. 03. 24.</a:t>
+              <a:t>2022. 03. 28.</a:t>
             </a:fld>
             <a:endParaRPr lang="hu-HU"/>
           </a:p>
@@ -458,7 +458,7 @@
           <a:p>
             <a:fld id="{624B17E9-C0BB-46C6-ADAC-505319B93071}" type="datetimeFigureOut">
               <a:rPr lang="hu-HU" smtClean="0"/>
-              <a:t>2022. 03. 24.</a:t>
+              <a:t>2022. 03. 28.</a:t>
             </a:fld>
             <a:endParaRPr lang="hu-HU"/>
           </a:p>
@@ -666,7 +666,7 @@
           <a:p>
             <a:fld id="{624B17E9-C0BB-46C6-ADAC-505319B93071}" type="datetimeFigureOut">
               <a:rPr lang="hu-HU" smtClean="0"/>
-              <a:t>2022. 03. 24.</a:t>
+              <a:t>2022. 03. 28.</a:t>
             </a:fld>
             <a:endParaRPr lang="hu-HU"/>
           </a:p>
@@ -864,7 +864,7 @@
           <a:p>
             <a:fld id="{624B17E9-C0BB-46C6-ADAC-505319B93071}" type="datetimeFigureOut">
               <a:rPr lang="hu-HU" smtClean="0"/>
-              <a:t>2022. 03. 24.</a:t>
+              <a:t>2022. 03. 28.</a:t>
             </a:fld>
             <a:endParaRPr lang="hu-HU"/>
           </a:p>
@@ -1139,7 +1139,7 @@
           <a:p>
             <a:fld id="{624B17E9-C0BB-46C6-ADAC-505319B93071}" type="datetimeFigureOut">
               <a:rPr lang="hu-HU" smtClean="0"/>
-              <a:t>2022. 03. 24.</a:t>
+              <a:t>2022. 03. 28.</a:t>
             </a:fld>
             <a:endParaRPr lang="hu-HU"/>
           </a:p>
@@ -1404,7 +1404,7 @@
           <a:p>
             <a:fld id="{624B17E9-C0BB-46C6-ADAC-505319B93071}" type="datetimeFigureOut">
               <a:rPr lang="hu-HU" smtClean="0"/>
-              <a:t>2022. 03. 24.</a:t>
+              <a:t>2022. 03. 28.</a:t>
             </a:fld>
             <a:endParaRPr lang="hu-HU"/>
           </a:p>
@@ -1816,7 +1816,7 @@
           <a:p>
             <a:fld id="{624B17E9-C0BB-46C6-ADAC-505319B93071}" type="datetimeFigureOut">
               <a:rPr lang="hu-HU" smtClean="0"/>
-              <a:t>2022. 03. 24.</a:t>
+              <a:t>2022. 03. 28.</a:t>
             </a:fld>
             <a:endParaRPr lang="hu-HU"/>
           </a:p>
@@ -1957,7 +1957,7 @@
           <a:p>
             <a:fld id="{624B17E9-C0BB-46C6-ADAC-505319B93071}" type="datetimeFigureOut">
               <a:rPr lang="hu-HU" smtClean="0"/>
-              <a:t>2022. 03. 24.</a:t>
+              <a:t>2022. 03. 28.</a:t>
             </a:fld>
             <a:endParaRPr lang="hu-HU"/>
           </a:p>
@@ -2070,7 +2070,7 @@
           <a:p>
             <a:fld id="{624B17E9-C0BB-46C6-ADAC-505319B93071}" type="datetimeFigureOut">
               <a:rPr lang="hu-HU" smtClean="0"/>
-              <a:t>2022. 03. 24.</a:t>
+              <a:t>2022. 03. 28.</a:t>
             </a:fld>
             <a:endParaRPr lang="hu-HU"/>
           </a:p>
@@ -2381,7 +2381,7 @@
           <a:p>
             <a:fld id="{624B17E9-C0BB-46C6-ADAC-505319B93071}" type="datetimeFigureOut">
               <a:rPr lang="hu-HU" smtClean="0"/>
-              <a:t>2022. 03. 24.</a:t>
+              <a:t>2022. 03. 28.</a:t>
             </a:fld>
             <a:endParaRPr lang="hu-HU"/>
           </a:p>
@@ -2669,7 +2669,7 @@
           <a:p>
             <a:fld id="{624B17E9-C0BB-46C6-ADAC-505319B93071}" type="datetimeFigureOut">
               <a:rPr lang="hu-HU" smtClean="0"/>
-              <a:t>2022. 03. 24.</a:t>
+              <a:t>2022. 03. 28.</a:t>
             </a:fld>
             <a:endParaRPr lang="hu-HU"/>
           </a:p>
@@ -2910,7 +2910,7 @@
           <a:p>
             <a:fld id="{624B17E9-C0BB-46C6-ADAC-505319B93071}" type="datetimeFigureOut">
               <a:rPr lang="hu-HU" smtClean="0"/>
-              <a:t>2022. 03. 24.</a:t>
+              <a:t>2022. 03. 28.</a:t>
             </a:fld>
             <a:endParaRPr lang="hu-HU"/>
           </a:p>
@@ -3342,14 +3342,14 @@
           <p:nvPr>
             <p:extLst>
               <p:ext uri="{D42A27DB-BD31-4B8C-83A1-F6EECF244321}">
-                <p14:modId xmlns:p14="http://schemas.microsoft.com/office/powerpoint/2010/main" val="1067338674"/>
+                <p14:modId xmlns:p14="http://schemas.microsoft.com/office/powerpoint/2010/main" val="523875213"/>
               </p:ext>
             </p:extLst>
           </p:nvPr>
         </p:nvGraphicFramePr>
         <p:xfrm>
           <a:off x="4000501" y="418822"/>
-          <a:ext cx="3162300" cy="2377440"/>
+          <a:ext cx="3162300" cy="2682240"/>
         </p:xfrm>
         <a:graphic>
           <a:graphicData uri="http://schemas.openxmlformats.org/drawingml/2006/table">
@@ -3497,6 +3497,21 @@
                         <a:ea typeface="+mn-ea"/>
                         <a:cs typeface="+mn-cs"/>
                       </a:endParaRPr>
+                    </a:p>
+                    <a:p>
+                      <a:r>
+                        <a:rPr lang="hu-HU" sz="2000" b="1" kern="1200" dirty="0">
+                          <a:solidFill>
+                            <a:schemeClr val="accent4">
+                              <a:lumMod val="50000"/>
+                            </a:schemeClr>
+                          </a:solidFill>
+                          <a:latin typeface="+mn-lt"/>
+                          <a:ea typeface="+mn-ea"/>
+                          <a:cs typeface="+mn-cs"/>
+                        </a:rPr>
+                        <a:t>Email</a:t>
+                      </a:r>
                     </a:p>
                     <a:p>
                       <a:r>
@@ -4929,7 +4944,7 @@
         </p:nvSpPr>
         <p:spPr>
           <a:xfrm>
-            <a:off x="4014338" y="34419"/>
+            <a:off x="4014340" y="133379"/>
             <a:ext cx="4163319" cy="923330"/>
           </a:xfrm>
           <a:prstGeom prst="rect">
@@ -5001,7 +5016,7 @@
         </p:blipFill>
         <p:spPr>
           <a:xfrm>
-            <a:off x="2755473" y="3457832"/>
+            <a:off x="5252889" y="3736559"/>
             <a:ext cx="1686222" cy="1706217"/>
           </a:xfrm>
           <a:prstGeom prst="rect">
@@ -5025,7 +5040,7 @@
         </p:nvCxnSpPr>
         <p:spPr>
           <a:xfrm flipH="1">
-            <a:off x="3528939" y="2719056"/>
+            <a:off x="5846623" y="2981708"/>
             <a:ext cx="1" cy="709875"/>
           </a:xfrm>
           <a:prstGeom prst="line">
@@ -5066,7 +5081,7 @@
         </p:nvSpPr>
         <p:spPr>
           <a:xfrm>
-            <a:off x="2702430" y="5105775"/>
+            <a:off x="5183118" y="5371207"/>
             <a:ext cx="1653018" cy="646331"/>
           </a:xfrm>
           <a:prstGeom prst="rect">
@@ -5138,7 +5153,7 @@
         </p:blipFill>
         <p:spPr>
           <a:xfrm>
-            <a:off x="7836554" y="3483341"/>
+            <a:off x="9327730" y="3736559"/>
             <a:ext cx="1763559" cy="1632669"/>
           </a:xfrm>
           <a:prstGeom prst="rect">
@@ -5164,8 +5179,8 @@
         </p:nvCxnSpPr>
         <p:spPr>
           <a:xfrm flipV="1">
-            <a:off x="4441695" y="4299676"/>
-            <a:ext cx="3394859" cy="11265"/>
+            <a:off x="6939111" y="4552894"/>
+            <a:ext cx="2388619" cy="36774"/>
           </a:xfrm>
           <a:prstGeom prst="line">
             <a:avLst/>
@@ -5205,7 +5220,7 @@
         </p:nvSpPr>
         <p:spPr>
           <a:xfrm>
-            <a:off x="7938279" y="4943140"/>
+            <a:off x="9429455" y="5196358"/>
             <a:ext cx="1394934" cy="646331"/>
           </a:xfrm>
           <a:prstGeom prst="rect">
@@ -5278,7 +5293,7 @@
         </p:blipFill>
         <p:spPr bwMode="auto">
           <a:xfrm>
-            <a:off x="2601309" y="957749"/>
+            <a:off x="4918994" y="1180535"/>
             <a:ext cx="1855259" cy="1855259"/>
           </a:xfrm>
           <a:prstGeom prst="rect">
@@ -5310,8 +5325,8 @@
         </p:nvSpPr>
         <p:spPr>
           <a:xfrm>
-            <a:off x="2961426" y="5589471"/>
-            <a:ext cx="1135023" cy="369332"/>
+            <a:off x="5435157" y="5842689"/>
+            <a:ext cx="1188543" cy="369332"/>
           </a:xfrm>
           <a:prstGeom prst="rect">
             <a:avLst/>
@@ -5337,7 +5352,7 @@
                 </a:effectLst>
                 <a:latin typeface="Bahnschrift SemiCondensed" panose="020B0502040204020203" pitchFamily="34" charset="0"/>
               </a:rPr>
-              <a:t>Socket</a:t>
+              <a:t>WebSocket</a:t>
             </a:r>
             <a:endParaRPr lang="hu-HU" sz="1800" b="1" cap="none" spc="0" dirty="0">
               <a:ln/>
@@ -5353,6 +5368,348 @@
           </a:p>
         </p:txBody>
       </p:sp>
+      <p:pic>
+        <p:nvPicPr>
+          <p:cNvPr id="3" name="Ábra 2" descr="Számítógép egyszínű kitöltéssel">
+            <a:extLst>
+              <a:ext uri="{FF2B5EF4-FFF2-40B4-BE49-F238E27FC236}">
+                <a16:creationId xmlns:a16="http://schemas.microsoft.com/office/drawing/2014/main" id="{00A97DBD-B194-47DF-8664-567B8D99F075}"/>
+              </a:ext>
+            </a:extLst>
+          </p:cNvPr>
+          <p:cNvPicPr>
+            <a:picLocks noChangeAspect="1"/>
+          </p:cNvPicPr>
+          <p:nvPr/>
+        </p:nvPicPr>
+        <p:blipFill>
+          <a:blip r:embed="rId5">
+            <a:extLst>
+              <a:ext uri="{28A0092B-C50C-407E-A947-70E740481C1C}">
+                <a14:useLocalDpi xmlns:a14="http://schemas.microsoft.com/office/drawing/2010/main" val="0"/>
+              </a:ext>
+              <a:ext uri="{96DAC541-7B7A-43D3-8B79-37D633B846F1}">
+                <asvg:svgBlip xmlns:asvg="http://schemas.microsoft.com/office/drawing/2016/SVG/main" r:embed="rId6"/>
+              </a:ext>
+            </a:extLst>
+          </a:blip>
+          <a:stretch>
+            <a:fillRect/>
+          </a:stretch>
+        </p:blipFill>
+        <p:spPr>
+          <a:xfrm>
+            <a:off x="1785037" y="4124686"/>
+            <a:ext cx="1234307" cy="1234307"/>
+          </a:xfrm>
+          <a:prstGeom prst="rect">
+            <a:avLst/>
+          </a:prstGeom>
+        </p:spPr>
+      </p:pic>
+      <p:cxnSp>
+        <p:nvCxnSpPr>
+          <p:cNvPr id="13" name="Egyenes összekötő 12">
+            <a:extLst>
+              <a:ext uri="{FF2B5EF4-FFF2-40B4-BE49-F238E27FC236}">
+                <a16:creationId xmlns:a16="http://schemas.microsoft.com/office/drawing/2014/main" id="{5622FA54-09EE-4FCF-86EC-C50720A3E510}"/>
+              </a:ext>
+            </a:extLst>
+          </p:cNvPr>
+          <p:cNvCxnSpPr>
+            <a:cxnSpLocks/>
+            <a:endCxn id="7" idx="1"/>
+          </p:cNvCxnSpPr>
+          <p:nvPr/>
+        </p:nvCxnSpPr>
+        <p:spPr>
+          <a:xfrm>
+            <a:off x="3019344" y="4589668"/>
+            <a:ext cx="2233545" cy="0"/>
+          </a:xfrm>
+          <a:prstGeom prst="line">
+            <a:avLst/>
+          </a:prstGeom>
+          <a:ln w="38100">
+            <a:solidFill>
+              <a:schemeClr val="accent1"/>
+            </a:solidFill>
+          </a:ln>
+        </p:spPr>
+        <p:style>
+          <a:lnRef idx="3">
+            <a:schemeClr val="accent6"/>
+          </a:lnRef>
+          <a:fillRef idx="0">
+            <a:schemeClr val="accent6"/>
+          </a:fillRef>
+          <a:effectRef idx="2">
+            <a:schemeClr val="accent6"/>
+          </a:effectRef>
+          <a:fontRef idx="minor">
+            <a:schemeClr val="tx1"/>
+          </a:fontRef>
+        </p:style>
+      </p:cxnSp>
+      <p:sp>
+        <p:nvSpPr>
+          <p:cNvPr id="16" name="Téglalap 15">
+            <a:extLst>
+              <a:ext uri="{FF2B5EF4-FFF2-40B4-BE49-F238E27FC236}">
+                <a16:creationId xmlns:a16="http://schemas.microsoft.com/office/drawing/2014/main" id="{7DA35D40-FAA3-4F8A-AE0D-3EE7FCB2E1C4}"/>
+              </a:ext>
+            </a:extLst>
+          </p:cNvPr>
+          <p:cNvSpPr/>
+          <p:nvPr/>
+        </p:nvSpPr>
+        <p:spPr>
+          <a:xfrm>
+            <a:off x="1491176" y="5196358"/>
+            <a:ext cx="1653018" cy="400110"/>
+          </a:xfrm>
+          <a:prstGeom prst="rect">
+            <a:avLst/>
+          </a:prstGeom>
+          <a:noFill/>
+        </p:spPr>
+        <p:txBody>
+          <a:bodyPr wrap="square" lIns="91440" tIns="45720" rIns="91440" bIns="45720">
+            <a:spAutoFit/>
+            <a:scene3d>
+              <a:camera prst="orthographicFront"/>
+              <a:lightRig rig="soft" dir="t">
+                <a:rot lat="0" lon="0" rev="15600000"/>
+              </a:lightRig>
+            </a:scene3d>
+            <a:sp3d extrusionH="57150" prstMaterial="softEdge">
+              <a:bevelT w="25400" h="38100"/>
+            </a:sp3d>
+          </a:bodyPr>
+          <a:lstStyle/>
+          <a:p>
+            <a:pPr algn="ctr"/>
+            <a:r>
+              <a:rPr lang="hu-HU" sz="2000" b="1" dirty="0">
+                <a:ln/>
+                <a:solidFill>
+                  <a:schemeClr val="accent1"/>
+                </a:solidFill>
+                <a:effectLst>
+                  <a:outerShdw blurRad="38100" dist="38100" dir="2700000" algn="tl">
+                    <a:srgbClr val="000000">
+                      <a:alpha val="43137"/>
+                    </a:srgbClr>
+                  </a:outerShdw>
+                </a:effectLst>
+                <a:latin typeface="Berlin Sans FB Demi" panose="020E0802020502020306" pitchFamily="34" charset="0"/>
+              </a:rPr>
+              <a:t>Test </a:t>
+            </a:r>
+            <a:r>
+              <a:rPr lang="hu-HU" sz="2000" b="1" dirty="0" err="1">
+                <a:ln/>
+                <a:solidFill>
+                  <a:schemeClr val="accent1"/>
+                </a:solidFill>
+                <a:effectLst>
+                  <a:outerShdw blurRad="38100" dist="38100" dir="2700000" algn="tl">
+                    <a:srgbClr val="000000">
+                      <a:alpha val="43137"/>
+                    </a:srgbClr>
+                  </a:outerShdw>
+                </a:effectLst>
+                <a:latin typeface="Berlin Sans FB Demi" panose="020E0802020502020306" pitchFamily="34" charset="0"/>
+              </a:rPr>
+              <a:t>Client</a:t>
+            </a:r>
+            <a:endParaRPr lang="hu-HU" sz="2000" b="1" cap="none" spc="0" dirty="0">
+              <a:ln/>
+              <a:solidFill>
+                <a:schemeClr val="accent1"/>
+              </a:solidFill>
+              <a:effectLst>
+                <a:outerShdw blurRad="38100" dist="38100" dir="2700000" algn="tl">
+                  <a:srgbClr val="000000">
+                    <a:alpha val="43137"/>
+                  </a:srgbClr>
+                </a:outerShdw>
+              </a:effectLst>
+              <a:latin typeface="Berlin Sans FB Demi" panose="020E0802020502020306" pitchFamily="34" charset="0"/>
+            </a:endParaRPr>
+          </a:p>
+        </p:txBody>
+      </p:sp>
+      <p:pic>
+        <p:nvPicPr>
+          <p:cNvPr id="10" name="Kép 9">
+            <a:extLst>
+              <a:ext uri="{FF2B5EF4-FFF2-40B4-BE49-F238E27FC236}">
+                <a16:creationId xmlns:a16="http://schemas.microsoft.com/office/drawing/2014/main" id="{8F8C3ACB-7762-4529-A122-4D81593CA582}"/>
+              </a:ext>
+            </a:extLst>
+          </p:cNvPr>
+          <p:cNvPicPr>
+            <a:picLocks noChangeAspect="1"/>
+          </p:cNvPicPr>
+          <p:nvPr/>
+        </p:nvPicPr>
+        <p:blipFill>
+          <a:blip r:embed="rId7">
+            <a:extLst>
+              <a:ext uri="{28A0092B-C50C-407E-A947-70E740481C1C}">
+                <a14:useLocalDpi xmlns:a14="http://schemas.microsoft.com/office/drawing/2010/main" val="0"/>
+              </a:ext>
+              <a:ext uri="{837473B0-CC2E-450A-ABE3-18F120FF3D39}">
+                <a1611:picAttrSrcUrl xmlns:a1611="http://schemas.microsoft.com/office/drawing/2016/11/main" r:id="rId8"/>
+              </a:ext>
+            </a:extLst>
+          </a:blip>
+          <a:stretch>
+            <a:fillRect/>
+          </a:stretch>
+        </p:blipFill>
+        <p:spPr>
+          <a:xfrm>
+            <a:off x="983283" y="5077726"/>
+            <a:ext cx="583004" cy="583004"/>
+          </a:xfrm>
+          <a:prstGeom prst="rect">
+            <a:avLst/>
+          </a:prstGeom>
+        </p:spPr>
+      </p:pic>
+      <p:pic>
+        <p:nvPicPr>
+          <p:cNvPr id="20" name="Kép 19">
+            <a:extLst>
+              <a:ext uri="{FF2B5EF4-FFF2-40B4-BE49-F238E27FC236}">
+                <a16:creationId xmlns:a16="http://schemas.microsoft.com/office/drawing/2014/main" id="{F360A997-827E-4F4F-A7D5-F33B4C35F3D9}"/>
+              </a:ext>
+            </a:extLst>
+          </p:cNvPr>
+          <p:cNvPicPr>
+            <a:picLocks noChangeAspect="1"/>
+          </p:cNvPicPr>
+          <p:nvPr/>
+        </p:nvPicPr>
+        <p:blipFill>
+          <a:blip r:embed="rId7">
+            <a:extLst>
+              <a:ext uri="{28A0092B-C50C-407E-A947-70E740481C1C}">
+                <a14:useLocalDpi xmlns:a14="http://schemas.microsoft.com/office/drawing/2010/main" val="0"/>
+              </a:ext>
+              <a:ext uri="{837473B0-CC2E-450A-ABE3-18F120FF3D39}">
+                <a1611:picAttrSrcUrl xmlns:a1611="http://schemas.microsoft.com/office/drawing/2016/11/main" r:id="rId8"/>
+              </a:ext>
+            </a:extLst>
+          </a:blip>
+          <a:stretch>
+            <a:fillRect/>
+          </a:stretch>
+        </p:blipFill>
+        <p:spPr>
+          <a:xfrm>
+            <a:off x="4635443" y="5560539"/>
+            <a:ext cx="583004" cy="583004"/>
+          </a:xfrm>
+          <a:prstGeom prst="rect">
+            <a:avLst/>
+          </a:prstGeom>
+        </p:spPr>
+      </p:pic>
+      <p:pic>
+        <p:nvPicPr>
+          <p:cNvPr id="15" name="Kép 14">
+            <a:extLst>
+              <a:ext uri="{FF2B5EF4-FFF2-40B4-BE49-F238E27FC236}">
+                <a16:creationId xmlns:a16="http://schemas.microsoft.com/office/drawing/2014/main" id="{09D1A04E-0969-482D-AE13-0E1FCA3D465C}"/>
+              </a:ext>
+            </a:extLst>
+          </p:cNvPr>
+          <p:cNvPicPr>
+            <a:picLocks noChangeAspect="1"/>
+          </p:cNvPicPr>
+          <p:nvPr/>
+        </p:nvPicPr>
+        <p:blipFill rotWithShape="1">
+          <a:blip r:embed="rId9">
+            <a:extLst>
+              <a:ext uri="{BEBA8EAE-BF5A-486C-A8C5-ECC9F3942E4B}">
+                <a14:imgProps xmlns:a14="http://schemas.microsoft.com/office/drawing/2010/main">
+                  <a14:imgLayer r:embed="rId10">
+                    <a14:imgEffect>
+                      <a14:backgroundRemoval t="64762" b="91270" l="38566" r="59134">
+                        <a14:foregroundMark x1="38566" y1="73810" x2="38566" y2="73810"/>
+                        <a14:foregroundMark x1="47767" y1="64762" x2="47767" y2="64762"/>
+                        <a14:foregroundMark x1="59269" y1="80476" x2="59269" y2="80476"/>
+                        <a14:foregroundMark x1="49120" y1="77460" x2="49120" y2="77460"/>
+                        <a14:foregroundMark x1="50068" y1="91270" x2="50068" y2="91270"/>
+                      </a14:backgroundRemoval>
+                    </a14:imgEffect>
+                  </a14:imgLayer>
+                </a14:imgProps>
+              </a:ext>
+              <a:ext uri="{28A0092B-C50C-407E-A947-70E740481C1C}">
+                <a14:useLocalDpi xmlns:a14="http://schemas.microsoft.com/office/drawing/2010/main" val="0"/>
+              </a:ext>
+              <a:ext uri="{837473B0-CC2E-450A-ABE3-18F120FF3D39}">
+                <a1611:picAttrSrcUrl xmlns:a1611="http://schemas.microsoft.com/office/drawing/2016/11/main" r:id="rId11"/>
+              </a:ext>
+            </a:extLst>
+          </a:blip>
+          <a:srcRect l="36671" t="62016" r="38275" b="7067"/>
+          <a:stretch/>
+        </p:blipFill>
+        <p:spPr>
+          <a:xfrm>
+            <a:off x="8649837" y="5070294"/>
+            <a:ext cx="828207" cy="871271"/>
+          </a:xfrm>
+          <a:prstGeom prst="rect">
+            <a:avLst/>
+          </a:prstGeom>
+        </p:spPr>
+      </p:pic>
+      <p:pic>
+        <p:nvPicPr>
+          <p:cNvPr id="19" name="Kép 18">
+            <a:extLst>
+              <a:ext uri="{FF2B5EF4-FFF2-40B4-BE49-F238E27FC236}">
+                <a16:creationId xmlns:a16="http://schemas.microsoft.com/office/drawing/2014/main" id="{BEAD2C4E-0190-41DE-88B0-4C14DC125F54}"/>
+              </a:ext>
+            </a:extLst>
+          </p:cNvPr>
+          <p:cNvPicPr>
+            <a:picLocks noChangeAspect="1"/>
+          </p:cNvPicPr>
+          <p:nvPr/>
+        </p:nvPicPr>
+        <p:blipFill>
+          <a:blip r:embed="rId12">
+            <a:extLst>
+              <a:ext uri="{28A0092B-C50C-407E-A947-70E740481C1C}">
+                <a14:useLocalDpi xmlns:a14="http://schemas.microsoft.com/office/drawing/2010/main" val="0"/>
+              </a:ext>
+              <a:ext uri="{837473B0-CC2E-450A-ABE3-18F120FF3D39}">
+                <a1611:picAttrSrcUrl xmlns:a1611="http://schemas.microsoft.com/office/drawing/2016/11/main" r:id="rId13"/>
+              </a:ext>
+            </a:extLst>
+          </a:blip>
+          <a:stretch>
+            <a:fillRect/>
+          </a:stretch>
+        </p:blipFill>
+        <p:spPr>
+          <a:xfrm>
+            <a:off x="10793802" y="5196358"/>
+            <a:ext cx="798424" cy="798424"/>
+          </a:xfrm>
+          <a:prstGeom prst="rect">
+            <a:avLst/>
+          </a:prstGeom>
+        </p:spPr>
+      </p:pic>
     </p:spTree>
     <p:extLst>
       <p:ext uri="{BB962C8B-B14F-4D97-AF65-F5344CB8AC3E}">

--- a/Tervek.pptx
+++ b/Tervek.pptx
@@ -260,7 +260,7 @@
           <a:p>
             <a:fld id="{624B17E9-C0BB-46C6-ADAC-505319B93071}" type="datetimeFigureOut">
               <a:rPr lang="hu-HU" smtClean="0"/>
-              <a:t>2022. 03. 28.</a:t>
+              <a:t>2022. 04. 04.</a:t>
             </a:fld>
             <a:endParaRPr lang="hu-HU"/>
           </a:p>
@@ -458,7 +458,7 @@
           <a:p>
             <a:fld id="{624B17E9-C0BB-46C6-ADAC-505319B93071}" type="datetimeFigureOut">
               <a:rPr lang="hu-HU" smtClean="0"/>
-              <a:t>2022. 03. 28.</a:t>
+              <a:t>2022. 04. 04.</a:t>
             </a:fld>
             <a:endParaRPr lang="hu-HU"/>
           </a:p>
@@ -666,7 +666,7 @@
           <a:p>
             <a:fld id="{624B17E9-C0BB-46C6-ADAC-505319B93071}" type="datetimeFigureOut">
               <a:rPr lang="hu-HU" smtClean="0"/>
-              <a:t>2022. 03. 28.</a:t>
+              <a:t>2022. 04. 04.</a:t>
             </a:fld>
             <a:endParaRPr lang="hu-HU"/>
           </a:p>
@@ -864,7 +864,7 @@
           <a:p>
             <a:fld id="{624B17E9-C0BB-46C6-ADAC-505319B93071}" type="datetimeFigureOut">
               <a:rPr lang="hu-HU" smtClean="0"/>
-              <a:t>2022. 03. 28.</a:t>
+              <a:t>2022. 04. 04.</a:t>
             </a:fld>
             <a:endParaRPr lang="hu-HU"/>
           </a:p>
@@ -1139,7 +1139,7 @@
           <a:p>
             <a:fld id="{624B17E9-C0BB-46C6-ADAC-505319B93071}" type="datetimeFigureOut">
               <a:rPr lang="hu-HU" smtClean="0"/>
-              <a:t>2022. 03. 28.</a:t>
+              <a:t>2022. 04. 04.</a:t>
             </a:fld>
             <a:endParaRPr lang="hu-HU"/>
           </a:p>
@@ -1404,7 +1404,7 @@
           <a:p>
             <a:fld id="{624B17E9-C0BB-46C6-ADAC-505319B93071}" type="datetimeFigureOut">
               <a:rPr lang="hu-HU" smtClean="0"/>
-              <a:t>2022. 03. 28.</a:t>
+              <a:t>2022. 04. 04.</a:t>
             </a:fld>
             <a:endParaRPr lang="hu-HU"/>
           </a:p>
@@ -1816,7 +1816,7 @@
           <a:p>
             <a:fld id="{624B17E9-C0BB-46C6-ADAC-505319B93071}" type="datetimeFigureOut">
               <a:rPr lang="hu-HU" smtClean="0"/>
-              <a:t>2022. 03. 28.</a:t>
+              <a:t>2022. 04. 04.</a:t>
             </a:fld>
             <a:endParaRPr lang="hu-HU"/>
           </a:p>
@@ -1957,7 +1957,7 @@
           <a:p>
             <a:fld id="{624B17E9-C0BB-46C6-ADAC-505319B93071}" type="datetimeFigureOut">
               <a:rPr lang="hu-HU" smtClean="0"/>
-              <a:t>2022. 03. 28.</a:t>
+              <a:t>2022. 04. 04.</a:t>
             </a:fld>
             <a:endParaRPr lang="hu-HU"/>
           </a:p>
@@ -2070,7 +2070,7 @@
           <a:p>
             <a:fld id="{624B17E9-C0BB-46C6-ADAC-505319B93071}" type="datetimeFigureOut">
               <a:rPr lang="hu-HU" smtClean="0"/>
-              <a:t>2022. 03. 28.</a:t>
+              <a:t>2022. 04. 04.</a:t>
             </a:fld>
             <a:endParaRPr lang="hu-HU"/>
           </a:p>
@@ -2381,7 +2381,7 @@
           <a:p>
             <a:fld id="{624B17E9-C0BB-46C6-ADAC-505319B93071}" type="datetimeFigureOut">
               <a:rPr lang="hu-HU" smtClean="0"/>
-              <a:t>2022. 03. 28.</a:t>
+              <a:t>2022. 04. 04.</a:t>
             </a:fld>
             <a:endParaRPr lang="hu-HU"/>
           </a:p>
@@ -2669,7 +2669,7 @@
           <a:p>
             <a:fld id="{624B17E9-C0BB-46C6-ADAC-505319B93071}" type="datetimeFigureOut">
               <a:rPr lang="hu-HU" smtClean="0"/>
-              <a:t>2022. 03. 28.</a:t>
+              <a:t>2022. 04. 04.</a:t>
             </a:fld>
             <a:endParaRPr lang="hu-HU"/>
           </a:p>
@@ -2910,7 +2910,7 @@
           <a:p>
             <a:fld id="{624B17E9-C0BB-46C6-ADAC-505319B93071}" type="datetimeFigureOut">
               <a:rPr lang="hu-HU" smtClean="0"/>
-              <a:t>2022. 03. 28.</a:t>
+              <a:t>2022. 04. 04.</a:t>
             </a:fld>
             <a:endParaRPr lang="hu-HU"/>
           </a:p>
